--- a/programming/2018/ch_4_memory.pptx
+++ b/programming/2018/ch_4_memory.pptx
@@ -300,7 +300,7 @@
               <a:pPr>
                 <a:defRPr/>
               </a:pPr>
-              <a:t>2020/9/25</a:t>
+              <a:t>2020/10/16</a:t>
             </a:fld>
             <a:endParaRPr lang="zh-CN" altLang="en-US"/>
           </a:p>
@@ -520,7 +520,7 @@
               <a:pPr>
                 <a:defRPr/>
               </a:pPr>
-              <a:t>2020/9/25</a:t>
+              <a:t>2020/10/16</a:t>
             </a:fld>
             <a:endParaRPr lang="en-US"/>
           </a:p>
@@ -605,35 +605,35 @@
           <a:p>
             <a:pPr lvl="0"/>
             <a:r>
-              <a:rPr lang="zh-CN" altLang="en-US" noProof="0" smtClean="0"/>
+              <a:rPr lang="zh-CN" altLang="en-US" noProof="0"/>
               <a:t>单击此处编辑母版文本样式</a:t>
             </a:r>
           </a:p>
           <a:p>
             <a:pPr lvl="1"/>
             <a:r>
-              <a:rPr lang="zh-CN" altLang="en-US" noProof="0" smtClean="0"/>
+              <a:rPr lang="zh-CN" altLang="en-US" noProof="0"/>
               <a:t>第二级</a:t>
             </a:r>
           </a:p>
           <a:p>
             <a:pPr lvl="2"/>
             <a:r>
-              <a:rPr lang="zh-CN" altLang="en-US" noProof="0" smtClean="0"/>
+              <a:rPr lang="zh-CN" altLang="en-US" noProof="0"/>
               <a:t>第三级</a:t>
             </a:r>
           </a:p>
           <a:p>
             <a:pPr lvl="3"/>
             <a:r>
-              <a:rPr lang="zh-CN" altLang="en-US" noProof="0" smtClean="0"/>
+              <a:rPr lang="zh-CN" altLang="en-US" noProof="0"/>
               <a:t>第四级</a:t>
             </a:r>
           </a:p>
           <a:p>
             <a:pPr lvl="4"/>
             <a:r>
-              <a:rPr lang="zh-CN" altLang="en-US" noProof="0" smtClean="0"/>
+              <a:rPr lang="zh-CN" altLang="en-US" noProof="0"/>
               <a:t>第五级</a:t>
             </a:r>
           </a:p>
@@ -916,10 +916,9 @@
           <a:lstStyle/>
           <a:p>
             <a:r>
-              <a:rPr lang="zh-CN" altLang="en-US" smtClean="0"/>
+              <a:rPr lang="zh-CN" altLang="en-US"/>
               <a:t>单击此处编辑母版标题样式</a:t>
             </a:r>
-            <a:endParaRPr lang="zh-CN" altLang="en-US"/>
           </a:p>
         </p:txBody>
       </p:sp>
@@ -1038,10 +1037,9 @@
           </a:lstStyle>
           <a:p>
             <a:r>
-              <a:rPr lang="zh-CN" altLang="en-US" smtClean="0"/>
+              <a:rPr lang="zh-CN" altLang="en-US"/>
               <a:t>单击此处编辑母版副标题样式</a:t>
             </a:r>
-            <a:endParaRPr lang="zh-CN" altLang="en-US"/>
           </a:p>
         </p:txBody>
       </p:sp>
@@ -1083,7 +1081,7 @@
               <a:pPr>
                 <a:defRPr/>
               </a:pPr>
-              <a:t>2020/9/25</a:t>
+              <a:t>2020/10/16</a:t>
             </a:fld>
             <a:endParaRPr lang="zh-CN" altLang="en-US"/>
           </a:p>
@@ -1224,10 +1222,9 @@
           <a:lstStyle/>
           <a:p>
             <a:r>
-              <a:rPr lang="zh-CN" altLang="en-US" smtClean="0"/>
+              <a:rPr lang="zh-CN" altLang="en-US"/>
               <a:t>单击此处编辑母版标题样式</a:t>
             </a:r>
-            <a:endParaRPr lang="zh-CN" altLang="en-US"/>
           </a:p>
         </p:txBody>
       </p:sp>
@@ -1256,38 +1253,37 @@
           <a:p>
             <a:pPr lvl="0"/>
             <a:r>
-              <a:rPr lang="zh-CN" altLang="en-US" smtClean="0"/>
+              <a:rPr lang="zh-CN" altLang="en-US"/>
               <a:t>单击此处编辑母版文本样式</a:t>
             </a:r>
           </a:p>
           <a:p>
             <a:pPr lvl="1"/>
             <a:r>
-              <a:rPr lang="zh-CN" altLang="en-US" smtClean="0"/>
+              <a:rPr lang="zh-CN" altLang="en-US"/>
               <a:t>第二级</a:t>
             </a:r>
           </a:p>
           <a:p>
             <a:pPr lvl="2"/>
             <a:r>
-              <a:rPr lang="zh-CN" altLang="en-US" smtClean="0"/>
+              <a:rPr lang="zh-CN" altLang="en-US"/>
               <a:t>第三级</a:t>
             </a:r>
           </a:p>
           <a:p>
             <a:pPr lvl="3"/>
             <a:r>
-              <a:rPr lang="zh-CN" altLang="en-US" smtClean="0"/>
+              <a:rPr lang="zh-CN" altLang="en-US"/>
               <a:t>第四级</a:t>
             </a:r>
           </a:p>
           <a:p>
             <a:pPr lvl="4"/>
             <a:r>
-              <a:rPr lang="zh-CN" altLang="en-US" smtClean="0"/>
+              <a:rPr lang="zh-CN" altLang="en-US"/>
               <a:t>第五级</a:t>
             </a:r>
-            <a:endParaRPr lang="zh-CN" altLang="en-US"/>
           </a:p>
         </p:txBody>
       </p:sp>
@@ -1329,7 +1325,7 @@
               <a:pPr>
                 <a:defRPr/>
               </a:pPr>
-              <a:t>2020/9/25</a:t>
+              <a:t>2020/10/16</a:t>
             </a:fld>
             <a:endParaRPr lang="zh-CN" altLang="en-US"/>
           </a:p>
@@ -1470,10 +1466,9 @@
           <a:lstStyle/>
           <a:p>
             <a:r>
-              <a:rPr lang="zh-CN" altLang="en-US" smtClean="0"/>
+              <a:rPr lang="zh-CN" altLang="en-US"/>
               <a:t>单击此处编辑母版标题样式</a:t>
             </a:r>
-            <a:endParaRPr lang="zh-CN" altLang="en-US"/>
           </a:p>
         </p:txBody>
       </p:sp>
@@ -1502,38 +1497,37 @@
           <a:p>
             <a:pPr lvl="0"/>
             <a:r>
-              <a:rPr lang="zh-CN" altLang="en-US" smtClean="0"/>
+              <a:rPr lang="zh-CN" altLang="en-US"/>
               <a:t>单击此处编辑母版文本样式</a:t>
             </a:r>
           </a:p>
           <a:p>
             <a:pPr lvl="1"/>
             <a:r>
-              <a:rPr lang="zh-CN" altLang="en-US" smtClean="0"/>
+              <a:rPr lang="zh-CN" altLang="en-US"/>
               <a:t>第二级</a:t>
             </a:r>
           </a:p>
           <a:p>
             <a:pPr lvl="2"/>
             <a:r>
-              <a:rPr lang="zh-CN" altLang="en-US" smtClean="0"/>
+              <a:rPr lang="zh-CN" altLang="en-US"/>
               <a:t>第三级</a:t>
             </a:r>
           </a:p>
           <a:p>
             <a:pPr lvl="3"/>
             <a:r>
-              <a:rPr lang="zh-CN" altLang="en-US" smtClean="0"/>
+              <a:rPr lang="zh-CN" altLang="en-US"/>
               <a:t>第四级</a:t>
             </a:r>
           </a:p>
           <a:p>
             <a:pPr lvl="4"/>
             <a:r>
-              <a:rPr lang="zh-CN" altLang="en-US" smtClean="0"/>
+              <a:rPr lang="zh-CN" altLang="en-US"/>
               <a:t>第五级</a:t>
             </a:r>
-            <a:endParaRPr lang="zh-CN" altLang="en-US"/>
           </a:p>
         </p:txBody>
       </p:sp>
@@ -1575,7 +1569,7 @@
               <a:pPr>
                 <a:defRPr/>
               </a:pPr>
-              <a:t>2020/9/25</a:t>
+              <a:t>2020/10/16</a:t>
             </a:fld>
             <a:endParaRPr lang="zh-CN" altLang="en-US"/>
           </a:p>
@@ -1716,10 +1710,9 @@
           <a:lstStyle/>
           <a:p>
             <a:r>
-              <a:rPr lang="zh-CN" altLang="en-US" smtClean="0"/>
+              <a:rPr lang="zh-CN" altLang="en-US"/>
               <a:t>单击此处编辑母版标题样式</a:t>
             </a:r>
-            <a:endParaRPr lang="zh-CN" altLang="en-US"/>
           </a:p>
         </p:txBody>
       </p:sp>
@@ -1838,10 +1831,9 @@
           </a:lstStyle>
           <a:p>
             <a:r>
-              <a:rPr lang="zh-CN" altLang="en-US" smtClean="0"/>
+              <a:rPr lang="zh-CN" altLang="en-US"/>
               <a:t>单击此处编辑母版副标题样式</a:t>
             </a:r>
-            <a:endParaRPr lang="zh-CN" altLang="en-US"/>
           </a:p>
         </p:txBody>
       </p:sp>
@@ -1883,7 +1875,7 @@
               <a:pPr>
                 <a:defRPr/>
               </a:pPr>
-              <a:t>2020/9/25</a:t>
+              <a:t>2020/10/16</a:t>
             </a:fld>
             <a:endParaRPr lang="zh-CN" altLang="en-US"/>
           </a:p>
@@ -2024,10 +2016,9 @@
           <a:lstStyle/>
           <a:p>
             <a:r>
-              <a:rPr lang="zh-CN" altLang="en-US" smtClean="0"/>
+              <a:rPr lang="zh-CN" altLang="en-US"/>
               <a:t>单击此处编辑母版标题样式</a:t>
             </a:r>
-            <a:endParaRPr lang="zh-CN" altLang="en-US"/>
           </a:p>
         </p:txBody>
       </p:sp>
@@ -2056,38 +2047,37 @@
           <a:p>
             <a:pPr lvl="0"/>
             <a:r>
-              <a:rPr lang="zh-CN" altLang="en-US" smtClean="0"/>
+              <a:rPr lang="zh-CN" altLang="en-US"/>
               <a:t>单击此处编辑母版文本样式</a:t>
             </a:r>
           </a:p>
           <a:p>
             <a:pPr lvl="1"/>
             <a:r>
-              <a:rPr lang="zh-CN" altLang="en-US" smtClean="0"/>
+              <a:rPr lang="zh-CN" altLang="en-US"/>
               <a:t>第二级</a:t>
             </a:r>
           </a:p>
           <a:p>
             <a:pPr lvl="2"/>
             <a:r>
-              <a:rPr lang="zh-CN" altLang="en-US" smtClean="0"/>
+              <a:rPr lang="zh-CN" altLang="en-US"/>
               <a:t>第三级</a:t>
             </a:r>
           </a:p>
           <a:p>
             <a:pPr lvl="3"/>
             <a:r>
-              <a:rPr lang="zh-CN" altLang="en-US" smtClean="0"/>
+              <a:rPr lang="zh-CN" altLang="en-US"/>
               <a:t>第四级</a:t>
             </a:r>
           </a:p>
           <a:p>
             <a:pPr lvl="4"/>
             <a:r>
-              <a:rPr lang="zh-CN" altLang="en-US" smtClean="0"/>
+              <a:rPr lang="zh-CN" altLang="en-US"/>
               <a:t>第五级</a:t>
             </a:r>
-            <a:endParaRPr lang="zh-CN" altLang="en-US"/>
           </a:p>
         </p:txBody>
       </p:sp>
@@ -2129,7 +2119,7 @@
               <a:pPr>
                 <a:defRPr/>
               </a:pPr>
-              <a:t>2020/9/25</a:t>
+              <a:t>2020/10/16</a:t>
             </a:fld>
             <a:endParaRPr lang="zh-CN" altLang="en-US"/>
           </a:p>
@@ -2274,10 +2264,9 @@
           </a:lstStyle>
           <a:p>
             <a:r>
-              <a:rPr lang="zh-CN" altLang="en-US" smtClean="0"/>
+              <a:rPr lang="zh-CN" altLang="en-US"/>
               <a:t>单击此处编辑母版标题样式</a:t>
             </a:r>
-            <a:endParaRPr lang="zh-CN" altLang="en-US"/>
           </a:p>
         </p:txBody>
       </p:sp>
@@ -2397,7 +2386,7 @@
           <a:p>
             <a:pPr lvl="0"/>
             <a:r>
-              <a:rPr lang="zh-CN" altLang="en-US" smtClean="0"/>
+              <a:rPr lang="zh-CN" altLang="en-US"/>
               <a:t>单击此处编辑母版文本样式</a:t>
             </a:r>
           </a:p>
@@ -2441,7 +2430,7 @@
               <a:pPr>
                 <a:defRPr/>
               </a:pPr>
-              <a:t>2020/9/25</a:t>
+              <a:t>2020/10/16</a:t>
             </a:fld>
             <a:endParaRPr lang="zh-CN" altLang="en-US"/>
           </a:p>
@@ -2582,10 +2571,9 @@
           <a:lstStyle/>
           <a:p>
             <a:r>
-              <a:rPr lang="zh-CN" altLang="en-US" smtClean="0"/>
+              <a:rPr lang="zh-CN" altLang="en-US"/>
               <a:t>单击此处编辑母版标题样式</a:t>
             </a:r>
-            <a:endParaRPr lang="zh-CN" altLang="en-US"/>
           </a:p>
         </p:txBody>
       </p:sp>
@@ -2642,38 +2630,37 @@
           <a:p>
             <a:pPr lvl="0"/>
             <a:r>
-              <a:rPr lang="zh-CN" altLang="en-US" smtClean="0"/>
+              <a:rPr lang="zh-CN" altLang="en-US"/>
               <a:t>单击此处编辑母版文本样式</a:t>
             </a:r>
           </a:p>
           <a:p>
             <a:pPr lvl="1"/>
             <a:r>
-              <a:rPr lang="zh-CN" altLang="en-US" smtClean="0"/>
+              <a:rPr lang="zh-CN" altLang="en-US"/>
               <a:t>第二级</a:t>
             </a:r>
           </a:p>
           <a:p>
             <a:pPr lvl="2"/>
             <a:r>
-              <a:rPr lang="zh-CN" altLang="en-US" smtClean="0"/>
+              <a:rPr lang="zh-CN" altLang="en-US"/>
               <a:t>第三级</a:t>
             </a:r>
           </a:p>
           <a:p>
             <a:pPr lvl="3"/>
             <a:r>
-              <a:rPr lang="zh-CN" altLang="en-US" smtClean="0"/>
+              <a:rPr lang="zh-CN" altLang="en-US"/>
               <a:t>第四级</a:t>
             </a:r>
           </a:p>
           <a:p>
             <a:pPr lvl="4"/>
             <a:r>
-              <a:rPr lang="zh-CN" altLang="en-US" smtClean="0"/>
+              <a:rPr lang="zh-CN" altLang="en-US"/>
               <a:t>第五级</a:t>
             </a:r>
-            <a:endParaRPr lang="zh-CN" altLang="en-US"/>
           </a:p>
         </p:txBody>
       </p:sp>
@@ -2730,38 +2717,37 @@
           <a:p>
             <a:pPr lvl="0"/>
             <a:r>
-              <a:rPr lang="zh-CN" altLang="en-US" smtClean="0"/>
+              <a:rPr lang="zh-CN" altLang="en-US"/>
               <a:t>单击此处编辑母版文本样式</a:t>
             </a:r>
           </a:p>
           <a:p>
             <a:pPr lvl="1"/>
             <a:r>
-              <a:rPr lang="zh-CN" altLang="en-US" smtClean="0"/>
+              <a:rPr lang="zh-CN" altLang="en-US"/>
               <a:t>第二级</a:t>
             </a:r>
           </a:p>
           <a:p>
             <a:pPr lvl="2"/>
             <a:r>
-              <a:rPr lang="zh-CN" altLang="en-US" smtClean="0"/>
+              <a:rPr lang="zh-CN" altLang="en-US"/>
               <a:t>第三级</a:t>
             </a:r>
           </a:p>
           <a:p>
             <a:pPr lvl="3"/>
             <a:r>
-              <a:rPr lang="zh-CN" altLang="en-US" smtClean="0"/>
+              <a:rPr lang="zh-CN" altLang="en-US"/>
               <a:t>第四级</a:t>
             </a:r>
           </a:p>
           <a:p>
             <a:pPr lvl="4"/>
             <a:r>
-              <a:rPr lang="zh-CN" altLang="en-US" smtClean="0"/>
+              <a:rPr lang="zh-CN" altLang="en-US"/>
               <a:t>第五级</a:t>
             </a:r>
-            <a:endParaRPr lang="zh-CN" altLang="en-US"/>
           </a:p>
         </p:txBody>
       </p:sp>
@@ -2803,7 +2789,7 @@
               <a:pPr>
                 <a:defRPr/>
               </a:pPr>
-              <a:t>2020/9/25</a:t>
+              <a:t>2020/10/16</a:t>
             </a:fld>
             <a:endParaRPr lang="zh-CN" altLang="en-US"/>
           </a:p>
@@ -2948,10 +2934,9 @@
           </a:lstStyle>
           <a:p>
             <a:r>
-              <a:rPr lang="zh-CN" altLang="en-US" smtClean="0"/>
+              <a:rPr lang="zh-CN" altLang="en-US"/>
               <a:t>单击此处编辑母版标题样式</a:t>
             </a:r>
-            <a:endParaRPr lang="zh-CN" altLang="en-US"/>
           </a:p>
         </p:txBody>
       </p:sp>
@@ -3017,7 +3002,7 @@
           <a:p>
             <a:pPr lvl="0"/>
             <a:r>
-              <a:rPr lang="zh-CN" altLang="en-US" smtClean="0"/>
+              <a:rPr lang="zh-CN" altLang="en-US"/>
               <a:t>单击此处编辑母版文本样式</a:t>
             </a:r>
           </a:p>
@@ -3076,38 +3061,37 @@
           <a:p>
             <a:pPr lvl="0"/>
             <a:r>
-              <a:rPr lang="zh-CN" altLang="en-US" smtClean="0"/>
+              <a:rPr lang="zh-CN" altLang="en-US"/>
               <a:t>单击此处编辑母版文本样式</a:t>
             </a:r>
           </a:p>
           <a:p>
             <a:pPr lvl="1"/>
             <a:r>
-              <a:rPr lang="zh-CN" altLang="en-US" smtClean="0"/>
+              <a:rPr lang="zh-CN" altLang="en-US"/>
               <a:t>第二级</a:t>
             </a:r>
           </a:p>
           <a:p>
             <a:pPr lvl="2"/>
             <a:r>
-              <a:rPr lang="zh-CN" altLang="en-US" smtClean="0"/>
+              <a:rPr lang="zh-CN" altLang="en-US"/>
               <a:t>第三级</a:t>
             </a:r>
           </a:p>
           <a:p>
             <a:pPr lvl="3"/>
             <a:r>
-              <a:rPr lang="zh-CN" altLang="en-US" smtClean="0"/>
+              <a:rPr lang="zh-CN" altLang="en-US"/>
               <a:t>第四级</a:t>
             </a:r>
           </a:p>
           <a:p>
             <a:pPr lvl="4"/>
             <a:r>
-              <a:rPr lang="zh-CN" altLang="en-US" smtClean="0"/>
+              <a:rPr lang="zh-CN" altLang="en-US"/>
               <a:t>第五级</a:t>
             </a:r>
-            <a:endParaRPr lang="zh-CN" altLang="en-US"/>
           </a:p>
         </p:txBody>
       </p:sp>
@@ -3173,7 +3157,7 @@
           <a:p>
             <a:pPr lvl="0"/>
             <a:r>
-              <a:rPr lang="zh-CN" altLang="en-US" smtClean="0"/>
+              <a:rPr lang="zh-CN" altLang="en-US"/>
               <a:t>单击此处编辑母版文本样式</a:t>
             </a:r>
           </a:p>
@@ -3232,38 +3216,37 @@
           <a:p>
             <a:pPr lvl="0"/>
             <a:r>
-              <a:rPr lang="zh-CN" altLang="en-US" smtClean="0"/>
+              <a:rPr lang="zh-CN" altLang="en-US"/>
               <a:t>单击此处编辑母版文本样式</a:t>
             </a:r>
           </a:p>
           <a:p>
             <a:pPr lvl="1"/>
             <a:r>
-              <a:rPr lang="zh-CN" altLang="en-US" smtClean="0"/>
+              <a:rPr lang="zh-CN" altLang="en-US"/>
               <a:t>第二级</a:t>
             </a:r>
           </a:p>
           <a:p>
             <a:pPr lvl="2"/>
             <a:r>
-              <a:rPr lang="zh-CN" altLang="en-US" smtClean="0"/>
+              <a:rPr lang="zh-CN" altLang="en-US"/>
               <a:t>第三级</a:t>
             </a:r>
           </a:p>
           <a:p>
             <a:pPr lvl="3"/>
             <a:r>
-              <a:rPr lang="zh-CN" altLang="en-US" smtClean="0"/>
+              <a:rPr lang="zh-CN" altLang="en-US"/>
               <a:t>第四级</a:t>
             </a:r>
           </a:p>
           <a:p>
             <a:pPr lvl="4"/>
             <a:r>
-              <a:rPr lang="zh-CN" altLang="en-US" smtClean="0"/>
+              <a:rPr lang="zh-CN" altLang="en-US"/>
               <a:t>第五级</a:t>
             </a:r>
-            <a:endParaRPr lang="zh-CN" altLang="en-US"/>
           </a:p>
         </p:txBody>
       </p:sp>
@@ -3305,7 +3288,7 @@
               <a:pPr>
                 <a:defRPr/>
               </a:pPr>
-              <a:t>2020/9/25</a:t>
+              <a:t>2020/10/16</a:t>
             </a:fld>
             <a:endParaRPr lang="zh-CN" altLang="en-US"/>
           </a:p>
@@ -3446,10 +3429,9 @@
           <a:lstStyle/>
           <a:p>
             <a:r>
-              <a:rPr lang="zh-CN" altLang="en-US" smtClean="0"/>
+              <a:rPr lang="zh-CN" altLang="en-US"/>
               <a:t>单击此处编辑母版标题样式</a:t>
             </a:r>
-            <a:endParaRPr lang="zh-CN" altLang="en-US"/>
           </a:p>
         </p:txBody>
       </p:sp>
@@ -3491,7 +3473,7 @@
               <a:pPr>
                 <a:defRPr/>
               </a:pPr>
-              <a:t>2020/9/25</a:t>
+              <a:t>2020/10/16</a:t>
             </a:fld>
             <a:endParaRPr lang="zh-CN" altLang="en-US"/>
           </a:p>
@@ -3646,7 +3628,7 @@
               <a:pPr>
                 <a:defRPr/>
               </a:pPr>
-              <a:t>2020/9/25</a:t>
+              <a:t>2020/10/16</a:t>
             </a:fld>
             <a:endParaRPr lang="zh-CN" altLang="en-US"/>
           </a:p>
@@ -3791,10 +3773,9 @@
           </a:lstStyle>
           <a:p>
             <a:r>
-              <a:rPr lang="zh-CN" altLang="en-US" smtClean="0"/>
+              <a:rPr lang="zh-CN" altLang="en-US"/>
               <a:t>单击此处编辑母版标题样式</a:t>
             </a:r>
-            <a:endParaRPr lang="zh-CN" altLang="en-US"/>
           </a:p>
         </p:txBody>
       </p:sp>
@@ -3851,38 +3832,37 @@
           <a:p>
             <a:pPr lvl="0"/>
             <a:r>
-              <a:rPr lang="zh-CN" altLang="en-US" smtClean="0"/>
+              <a:rPr lang="zh-CN" altLang="en-US"/>
               <a:t>单击此处编辑母版文本样式</a:t>
             </a:r>
           </a:p>
           <a:p>
             <a:pPr lvl="1"/>
             <a:r>
-              <a:rPr lang="zh-CN" altLang="en-US" smtClean="0"/>
+              <a:rPr lang="zh-CN" altLang="en-US"/>
               <a:t>第二级</a:t>
             </a:r>
           </a:p>
           <a:p>
             <a:pPr lvl="2"/>
             <a:r>
-              <a:rPr lang="zh-CN" altLang="en-US" smtClean="0"/>
+              <a:rPr lang="zh-CN" altLang="en-US"/>
               <a:t>第三级</a:t>
             </a:r>
           </a:p>
           <a:p>
             <a:pPr lvl="3"/>
             <a:r>
-              <a:rPr lang="zh-CN" altLang="en-US" smtClean="0"/>
+              <a:rPr lang="zh-CN" altLang="en-US"/>
               <a:t>第四级</a:t>
             </a:r>
           </a:p>
           <a:p>
             <a:pPr lvl="4"/>
             <a:r>
-              <a:rPr lang="zh-CN" altLang="en-US" smtClean="0"/>
+              <a:rPr lang="zh-CN" altLang="en-US"/>
               <a:t>第五级</a:t>
             </a:r>
-            <a:endParaRPr lang="zh-CN" altLang="en-US"/>
           </a:p>
         </p:txBody>
       </p:sp>
@@ -3948,7 +3928,7 @@
           <a:p>
             <a:pPr lvl="0"/>
             <a:r>
-              <a:rPr lang="zh-CN" altLang="en-US" smtClean="0"/>
+              <a:rPr lang="zh-CN" altLang="en-US"/>
               <a:t>单击此处编辑母版文本样式</a:t>
             </a:r>
           </a:p>
@@ -3992,7 +3972,7 @@
               <a:pPr>
                 <a:defRPr/>
               </a:pPr>
-              <a:t>2020/9/25</a:t>
+              <a:t>2020/10/16</a:t>
             </a:fld>
             <a:endParaRPr lang="zh-CN" altLang="en-US"/>
           </a:p>
@@ -4133,10 +4113,9 @@
           <a:lstStyle/>
           <a:p>
             <a:r>
-              <a:rPr lang="zh-CN" altLang="en-US" smtClean="0"/>
+              <a:rPr lang="zh-CN" altLang="en-US"/>
               <a:t>单击此处编辑母版标题样式</a:t>
             </a:r>
-            <a:endParaRPr lang="zh-CN" altLang="en-US"/>
           </a:p>
         </p:txBody>
       </p:sp>
@@ -4165,38 +4144,37 @@
           <a:p>
             <a:pPr lvl="0"/>
             <a:r>
-              <a:rPr lang="zh-CN" altLang="en-US" smtClean="0"/>
+              <a:rPr lang="zh-CN" altLang="en-US"/>
               <a:t>单击此处编辑母版文本样式</a:t>
             </a:r>
           </a:p>
           <a:p>
             <a:pPr lvl="1"/>
             <a:r>
-              <a:rPr lang="zh-CN" altLang="en-US" smtClean="0"/>
+              <a:rPr lang="zh-CN" altLang="en-US"/>
               <a:t>第二级</a:t>
             </a:r>
           </a:p>
           <a:p>
             <a:pPr lvl="2"/>
             <a:r>
-              <a:rPr lang="zh-CN" altLang="en-US" smtClean="0"/>
+              <a:rPr lang="zh-CN" altLang="en-US"/>
               <a:t>第三级</a:t>
             </a:r>
           </a:p>
           <a:p>
             <a:pPr lvl="3"/>
             <a:r>
-              <a:rPr lang="zh-CN" altLang="en-US" smtClean="0"/>
+              <a:rPr lang="zh-CN" altLang="en-US"/>
               <a:t>第四级</a:t>
             </a:r>
           </a:p>
           <a:p>
             <a:pPr lvl="4"/>
             <a:r>
-              <a:rPr lang="zh-CN" altLang="en-US" smtClean="0"/>
+              <a:rPr lang="zh-CN" altLang="en-US"/>
               <a:t>第五级</a:t>
             </a:r>
-            <a:endParaRPr lang="zh-CN" altLang="en-US"/>
           </a:p>
         </p:txBody>
       </p:sp>
@@ -4295,10 +4273,9 @@
           </a:lstStyle>
           <a:p>
             <a:r>
-              <a:rPr lang="zh-CN" altLang="en-US" smtClean="0"/>
+              <a:rPr lang="zh-CN" altLang="en-US"/>
               <a:t>单击此处编辑母版标题样式</a:t>
             </a:r>
-            <a:endParaRPr lang="zh-CN" altLang="en-US"/>
           </a:p>
         </p:txBody>
       </p:sp>
@@ -4363,7 +4340,7 @@
           </a:lstStyle>
           <a:p>
             <a:pPr lvl="0"/>
-            <a:endParaRPr lang="zh-CN" altLang="en-US" noProof="0" smtClean="0"/>
+            <a:endParaRPr lang="zh-CN" altLang="en-US" noProof="0"/>
           </a:p>
         </p:txBody>
       </p:sp>
@@ -4429,7 +4406,7 @@
           <a:p>
             <a:pPr lvl="0"/>
             <a:r>
-              <a:rPr lang="zh-CN" altLang="en-US" smtClean="0"/>
+              <a:rPr lang="zh-CN" altLang="en-US"/>
               <a:t>单击此处编辑母版文本样式</a:t>
             </a:r>
           </a:p>
@@ -4473,7 +4450,7 @@
               <a:pPr>
                 <a:defRPr/>
               </a:pPr>
-              <a:t>2020/9/25</a:t>
+              <a:t>2020/10/16</a:t>
             </a:fld>
             <a:endParaRPr lang="zh-CN" altLang="en-US"/>
           </a:p>
@@ -4614,10 +4591,9 @@
           <a:lstStyle/>
           <a:p>
             <a:r>
-              <a:rPr lang="zh-CN" altLang="en-US" smtClean="0"/>
+              <a:rPr lang="zh-CN" altLang="en-US"/>
               <a:t>单击此处编辑母版标题样式</a:t>
             </a:r>
-            <a:endParaRPr lang="zh-CN" altLang="en-US"/>
           </a:p>
         </p:txBody>
       </p:sp>
@@ -4646,38 +4622,37 @@
           <a:p>
             <a:pPr lvl="0"/>
             <a:r>
-              <a:rPr lang="zh-CN" altLang="en-US" smtClean="0"/>
+              <a:rPr lang="zh-CN" altLang="en-US"/>
               <a:t>单击此处编辑母版文本样式</a:t>
             </a:r>
           </a:p>
           <a:p>
             <a:pPr lvl="1"/>
             <a:r>
-              <a:rPr lang="zh-CN" altLang="en-US" smtClean="0"/>
+              <a:rPr lang="zh-CN" altLang="en-US"/>
               <a:t>第二级</a:t>
             </a:r>
           </a:p>
           <a:p>
             <a:pPr lvl="2"/>
             <a:r>
-              <a:rPr lang="zh-CN" altLang="en-US" smtClean="0"/>
+              <a:rPr lang="zh-CN" altLang="en-US"/>
               <a:t>第三级</a:t>
             </a:r>
           </a:p>
           <a:p>
             <a:pPr lvl="3"/>
             <a:r>
-              <a:rPr lang="zh-CN" altLang="en-US" smtClean="0"/>
+              <a:rPr lang="zh-CN" altLang="en-US"/>
               <a:t>第四级</a:t>
             </a:r>
           </a:p>
           <a:p>
             <a:pPr lvl="4"/>
             <a:r>
-              <a:rPr lang="zh-CN" altLang="en-US" smtClean="0"/>
+              <a:rPr lang="zh-CN" altLang="en-US"/>
               <a:t>第五级</a:t>
             </a:r>
-            <a:endParaRPr lang="zh-CN" altLang="en-US"/>
           </a:p>
         </p:txBody>
       </p:sp>
@@ -4719,7 +4694,7 @@
               <a:pPr>
                 <a:defRPr/>
               </a:pPr>
-              <a:t>2020/9/25</a:t>
+              <a:t>2020/10/16</a:t>
             </a:fld>
             <a:endParaRPr lang="zh-CN" altLang="en-US"/>
           </a:p>
@@ -4860,10 +4835,9 @@
           <a:lstStyle/>
           <a:p>
             <a:r>
-              <a:rPr lang="zh-CN" altLang="en-US" smtClean="0"/>
+              <a:rPr lang="zh-CN" altLang="en-US"/>
               <a:t>单击此处编辑母版标题样式</a:t>
             </a:r>
-            <a:endParaRPr lang="zh-CN" altLang="en-US"/>
           </a:p>
         </p:txBody>
       </p:sp>
@@ -4892,38 +4866,37 @@
           <a:p>
             <a:pPr lvl="0"/>
             <a:r>
-              <a:rPr lang="zh-CN" altLang="en-US" smtClean="0"/>
+              <a:rPr lang="zh-CN" altLang="en-US"/>
               <a:t>单击此处编辑母版文本样式</a:t>
             </a:r>
           </a:p>
           <a:p>
             <a:pPr lvl="1"/>
             <a:r>
-              <a:rPr lang="zh-CN" altLang="en-US" smtClean="0"/>
+              <a:rPr lang="zh-CN" altLang="en-US"/>
               <a:t>第二级</a:t>
             </a:r>
           </a:p>
           <a:p>
             <a:pPr lvl="2"/>
             <a:r>
-              <a:rPr lang="zh-CN" altLang="en-US" smtClean="0"/>
+              <a:rPr lang="zh-CN" altLang="en-US"/>
               <a:t>第三级</a:t>
             </a:r>
           </a:p>
           <a:p>
             <a:pPr lvl="3"/>
             <a:r>
-              <a:rPr lang="zh-CN" altLang="en-US" smtClean="0"/>
+              <a:rPr lang="zh-CN" altLang="en-US"/>
               <a:t>第四级</a:t>
             </a:r>
           </a:p>
           <a:p>
             <a:pPr lvl="4"/>
             <a:r>
-              <a:rPr lang="zh-CN" altLang="en-US" smtClean="0"/>
+              <a:rPr lang="zh-CN" altLang="en-US"/>
               <a:t>第五级</a:t>
             </a:r>
-            <a:endParaRPr lang="zh-CN" altLang="en-US"/>
           </a:p>
         </p:txBody>
       </p:sp>
@@ -4965,7 +4938,7 @@
               <a:pPr>
                 <a:defRPr/>
               </a:pPr>
-              <a:t>2020/9/25</a:t>
+              <a:t>2020/10/16</a:t>
             </a:fld>
             <a:endParaRPr lang="zh-CN" altLang="en-US"/>
           </a:p>
@@ -5110,10 +5083,9 @@
           </a:lstStyle>
           <a:p>
             <a:r>
-              <a:rPr lang="zh-CN" altLang="en-US" smtClean="0"/>
+              <a:rPr lang="zh-CN" altLang="en-US"/>
               <a:t>单击此处编辑母版标题样式</a:t>
             </a:r>
-            <a:endParaRPr lang="zh-CN" altLang="en-US"/>
           </a:p>
         </p:txBody>
       </p:sp>
@@ -5233,7 +5205,7 @@
           <a:p>
             <a:pPr lvl="0"/>
             <a:r>
-              <a:rPr lang="zh-CN" altLang="en-US" smtClean="0"/>
+              <a:rPr lang="zh-CN" altLang="en-US"/>
               <a:t>单击此处编辑母版文本样式</a:t>
             </a:r>
           </a:p>
@@ -5277,7 +5249,7 @@
               <a:pPr>
                 <a:defRPr/>
               </a:pPr>
-              <a:t>2020/9/25</a:t>
+              <a:t>2020/10/16</a:t>
             </a:fld>
             <a:endParaRPr lang="zh-CN" altLang="en-US"/>
           </a:p>
@@ -5418,10 +5390,9 @@
           <a:lstStyle/>
           <a:p>
             <a:r>
-              <a:rPr lang="zh-CN" altLang="en-US" smtClean="0"/>
+              <a:rPr lang="zh-CN" altLang="en-US"/>
               <a:t>单击此处编辑母版标题样式</a:t>
             </a:r>
-            <a:endParaRPr lang="zh-CN" altLang="en-US"/>
           </a:p>
         </p:txBody>
       </p:sp>
@@ -5478,38 +5449,37 @@
           <a:p>
             <a:pPr lvl="0"/>
             <a:r>
-              <a:rPr lang="zh-CN" altLang="en-US" smtClean="0"/>
+              <a:rPr lang="zh-CN" altLang="en-US"/>
               <a:t>单击此处编辑母版文本样式</a:t>
             </a:r>
           </a:p>
           <a:p>
             <a:pPr lvl="1"/>
             <a:r>
-              <a:rPr lang="zh-CN" altLang="en-US" smtClean="0"/>
+              <a:rPr lang="zh-CN" altLang="en-US"/>
               <a:t>第二级</a:t>
             </a:r>
           </a:p>
           <a:p>
             <a:pPr lvl="2"/>
             <a:r>
-              <a:rPr lang="zh-CN" altLang="en-US" smtClean="0"/>
+              <a:rPr lang="zh-CN" altLang="en-US"/>
               <a:t>第三级</a:t>
             </a:r>
           </a:p>
           <a:p>
             <a:pPr lvl="3"/>
             <a:r>
-              <a:rPr lang="zh-CN" altLang="en-US" smtClean="0"/>
+              <a:rPr lang="zh-CN" altLang="en-US"/>
               <a:t>第四级</a:t>
             </a:r>
           </a:p>
           <a:p>
             <a:pPr lvl="4"/>
             <a:r>
-              <a:rPr lang="zh-CN" altLang="en-US" smtClean="0"/>
+              <a:rPr lang="zh-CN" altLang="en-US"/>
               <a:t>第五级</a:t>
             </a:r>
-            <a:endParaRPr lang="zh-CN" altLang="en-US"/>
           </a:p>
         </p:txBody>
       </p:sp>
@@ -5566,38 +5536,37 @@
           <a:p>
             <a:pPr lvl="0"/>
             <a:r>
-              <a:rPr lang="zh-CN" altLang="en-US" smtClean="0"/>
+              <a:rPr lang="zh-CN" altLang="en-US"/>
               <a:t>单击此处编辑母版文本样式</a:t>
             </a:r>
           </a:p>
           <a:p>
             <a:pPr lvl="1"/>
             <a:r>
-              <a:rPr lang="zh-CN" altLang="en-US" smtClean="0"/>
+              <a:rPr lang="zh-CN" altLang="en-US"/>
               <a:t>第二级</a:t>
             </a:r>
           </a:p>
           <a:p>
             <a:pPr lvl="2"/>
             <a:r>
-              <a:rPr lang="zh-CN" altLang="en-US" smtClean="0"/>
+              <a:rPr lang="zh-CN" altLang="en-US"/>
               <a:t>第三级</a:t>
             </a:r>
           </a:p>
           <a:p>
             <a:pPr lvl="3"/>
             <a:r>
-              <a:rPr lang="zh-CN" altLang="en-US" smtClean="0"/>
+              <a:rPr lang="zh-CN" altLang="en-US"/>
               <a:t>第四级</a:t>
             </a:r>
           </a:p>
           <a:p>
             <a:pPr lvl="4"/>
             <a:r>
-              <a:rPr lang="zh-CN" altLang="en-US" smtClean="0"/>
+              <a:rPr lang="zh-CN" altLang="en-US"/>
               <a:t>第五级</a:t>
             </a:r>
-            <a:endParaRPr lang="zh-CN" altLang="en-US"/>
           </a:p>
         </p:txBody>
       </p:sp>
@@ -5639,7 +5608,7 @@
               <a:pPr>
                 <a:defRPr/>
               </a:pPr>
-              <a:t>2020/9/25</a:t>
+              <a:t>2020/10/16</a:t>
             </a:fld>
             <a:endParaRPr lang="zh-CN" altLang="en-US"/>
           </a:p>
@@ -5784,10 +5753,9 @@
           </a:lstStyle>
           <a:p>
             <a:r>
-              <a:rPr lang="zh-CN" altLang="en-US" smtClean="0"/>
+              <a:rPr lang="zh-CN" altLang="en-US"/>
               <a:t>单击此处编辑母版标题样式</a:t>
             </a:r>
-            <a:endParaRPr lang="zh-CN" altLang="en-US"/>
           </a:p>
         </p:txBody>
       </p:sp>
@@ -5853,7 +5821,7 @@
           <a:p>
             <a:pPr lvl="0"/>
             <a:r>
-              <a:rPr lang="zh-CN" altLang="en-US" smtClean="0"/>
+              <a:rPr lang="zh-CN" altLang="en-US"/>
               <a:t>单击此处编辑母版文本样式</a:t>
             </a:r>
           </a:p>
@@ -5912,38 +5880,37 @@
           <a:p>
             <a:pPr lvl="0"/>
             <a:r>
-              <a:rPr lang="zh-CN" altLang="en-US" smtClean="0"/>
+              <a:rPr lang="zh-CN" altLang="en-US"/>
               <a:t>单击此处编辑母版文本样式</a:t>
             </a:r>
           </a:p>
           <a:p>
             <a:pPr lvl="1"/>
             <a:r>
-              <a:rPr lang="zh-CN" altLang="en-US" smtClean="0"/>
+              <a:rPr lang="zh-CN" altLang="en-US"/>
               <a:t>第二级</a:t>
             </a:r>
           </a:p>
           <a:p>
             <a:pPr lvl="2"/>
             <a:r>
-              <a:rPr lang="zh-CN" altLang="en-US" smtClean="0"/>
+              <a:rPr lang="zh-CN" altLang="en-US"/>
               <a:t>第三级</a:t>
             </a:r>
           </a:p>
           <a:p>
             <a:pPr lvl="3"/>
             <a:r>
-              <a:rPr lang="zh-CN" altLang="en-US" smtClean="0"/>
+              <a:rPr lang="zh-CN" altLang="en-US"/>
               <a:t>第四级</a:t>
             </a:r>
           </a:p>
           <a:p>
             <a:pPr lvl="4"/>
             <a:r>
-              <a:rPr lang="zh-CN" altLang="en-US" smtClean="0"/>
+              <a:rPr lang="zh-CN" altLang="en-US"/>
               <a:t>第五级</a:t>
             </a:r>
-            <a:endParaRPr lang="zh-CN" altLang="en-US"/>
           </a:p>
         </p:txBody>
       </p:sp>
@@ -6009,7 +5976,7 @@
           <a:p>
             <a:pPr lvl="0"/>
             <a:r>
-              <a:rPr lang="zh-CN" altLang="en-US" smtClean="0"/>
+              <a:rPr lang="zh-CN" altLang="en-US"/>
               <a:t>单击此处编辑母版文本样式</a:t>
             </a:r>
           </a:p>
@@ -6068,38 +6035,37 @@
           <a:p>
             <a:pPr lvl="0"/>
             <a:r>
-              <a:rPr lang="zh-CN" altLang="en-US" smtClean="0"/>
+              <a:rPr lang="zh-CN" altLang="en-US"/>
               <a:t>单击此处编辑母版文本样式</a:t>
             </a:r>
           </a:p>
           <a:p>
             <a:pPr lvl="1"/>
             <a:r>
-              <a:rPr lang="zh-CN" altLang="en-US" smtClean="0"/>
+              <a:rPr lang="zh-CN" altLang="en-US"/>
               <a:t>第二级</a:t>
             </a:r>
           </a:p>
           <a:p>
             <a:pPr lvl="2"/>
             <a:r>
-              <a:rPr lang="zh-CN" altLang="en-US" smtClean="0"/>
+              <a:rPr lang="zh-CN" altLang="en-US"/>
               <a:t>第三级</a:t>
             </a:r>
           </a:p>
           <a:p>
             <a:pPr lvl="3"/>
             <a:r>
-              <a:rPr lang="zh-CN" altLang="en-US" smtClean="0"/>
+              <a:rPr lang="zh-CN" altLang="en-US"/>
               <a:t>第四级</a:t>
             </a:r>
           </a:p>
           <a:p>
             <a:pPr lvl="4"/>
             <a:r>
-              <a:rPr lang="zh-CN" altLang="en-US" smtClean="0"/>
+              <a:rPr lang="zh-CN" altLang="en-US"/>
               <a:t>第五级</a:t>
             </a:r>
-            <a:endParaRPr lang="zh-CN" altLang="en-US"/>
           </a:p>
         </p:txBody>
       </p:sp>
@@ -6141,7 +6107,7 @@
               <a:pPr>
                 <a:defRPr/>
               </a:pPr>
-              <a:t>2020/9/25</a:t>
+              <a:t>2020/10/16</a:t>
             </a:fld>
             <a:endParaRPr lang="zh-CN" altLang="en-US"/>
           </a:p>
@@ -6282,10 +6248,9 @@
           <a:lstStyle/>
           <a:p>
             <a:r>
-              <a:rPr lang="zh-CN" altLang="en-US" smtClean="0"/>
+              <a:rPr lang="zh-CN" altLang="en-US"/>
               <a:t>单击此处编辑母版标题样式</a:t>
             </a:r>
-            <a:endParaRPr lang="zh-CN" altLang="en-US"/>
           </a:p>
         </p:txBody>
       </p:sp>
@@ -6327,7 +6292,7 @@
               <a:pPr>
                 <a:defRPr/>
               </a:pPr>
-              <a:t>2020/9/25</a:t>
+              <a:t>2020/10/16</a:t>
             </a:fld>
             <a:endParaRPr lang="zh-CN" altLang="en-US"/>
           </a:p>
@@ -6482,7 +6447,7 @@
               <a:pPr>
                 <a:defRPr/>
               </a:pPr>
-              <a:t>2020/9/25</a:t>
+              <a:t>2020/10/16</a:t>
             </a:fld>
             <a:endParaRPr lang="zh-CN" altLang="en-US"/>
           </a:p>
@@ -6579,13 +6544,6 @@
   <p:clrMapOvr>
     <a:masterClrMapping/>
   </p:clrMapOvr>
-  <p:timing>
-    <p:tnLst>
-      <p:par>
-        <p:cTn id="1" dur="indefinite" restart="never" nodeType="tmRoot"/>
-      </p:par>
-    </p:tnLst>
-  </p:timing>
 </p:sldLayout>
 </file>
 
@@ -6634,10 +6592,9 @@
           </a:lstStyle>
           <a:p>
             <a:r>
-              <a:rPr lang="zh-CN" altLang="en-US" smtClean="0"/>
+              <a:rPr lang="zh-CN" altLang="en-US"/>
               <a:t>单击此处编辑母版标题样式</a:t>
             </a:r>
-            <a:endParaRPr lang="zh-CN" altLang="en-US"/>
           </a:p>
         </p:txBody>
       </p:sp>
@@ -6694,38 +6651,37 @@
           <a:p>
             <a:pPr lvl="0"/>
             <a:r>
-              <a:rPr lang="zh-CN" altLang="en-US" smtClean="0"/>
+              <a:rPr lang="zh-CN" altLang="en-US"/>
               <a:t>单击此处编辑母版文本样式</a:t>
             </a:r>
           </a:p>
           <a:p>
             <a:pPr lvl="1"/>
             <a:r>
-              <a:rPr lang="zh-CN" altLang="en-US" smtClean="0"/>
+              <a:rPr lang="zh-CN" altLang="en-US"/>
               <a:t>第二级</a:t>
             </a:r>
           </a:p>
           <a:p>
             <a:pPr lvl="2"/>
             <a:r>
-              <a:rPr lang="zh-CN" altLang="en-US" smtClean="0"/>
+              <a:rPr lang="zh-CN" altLang="en-US"/>
               <a:t>第三级</a:t>
             </a:r>
           </a:p>
           <a:p>
             <a:pPr lvl="3"/>
             <a:r>
-              <a:rPr lang="zh-CN" altLang="en-US" smtClean="0"/>
+              <a:rPr lang="zh-CN" altLang="en-US"/>
               <a:t>第四级</a:t>
             </a:r>
           </a:p>
           <a:p>
             <a:pPr lvl="4"/>
             <a:r>
-              <a:rPr lang="zh-CN" altLang="en-US" smtClean="0"/>
+              <a:rPr lang="zh-CN" altLang="en-US"/>
               <a:t>第五级</a:t>
             </a:r>
-            <a:endParaRPr lang="zh-CN" altLang="en-US"/>
           </a:p>
         </p:txBody>
       </p:sp>
@@ -6791,7 +6747,7 @@
           <a:p>
             <a:pPr lvl="0"/>
             <a:r>
-              <a:rPr lang="zh-CN" altLang="en-US" smtClean="0"/>
+              <a:rPr lang="zh-CN" altLang="en-US"/>
               <a:t>单击此处编辑母版文本样式</a:t>
             </a:r>
           </a:p>
@@ -6835,7 +6791,7 @@
               <a:pPr>
                 <a:defRPr/>
               </a:pPr>
-              <a:t>2020/9/25</a:t>
+              <a:t>2020/10/16</a:t>
             </a:fld>
             <a:endParaRPr lang="zh-CN" altLang="en-US"/>
           </a:p>
@@ -6980,10 +6936,9 @@
           </a:lstStyle>
           <a:p>
             <a:r>
-              <a:rPr lang="zh-CN" altLang="en-US" smtClean="0"/>
+              <a:rPr lang="zh-CN" altLang="en-US"/>
               <a:t>单击此处编辑母版标题样式</a:t>
             </a:r>
-            <a:endParaRPr lang="zh-CN" altLang="en-US"/>
           </a:p>
         </p:txBody>
       </p:sp>
@@ -7048,7 +7003,7 @@
           </a:lstStyle>
           <a:p>
             <a:pPr lvl="0"/>
-            <a:endParaRPr lang="zh-CN" altLang="en-US" noProof="0" smtClean="0"/>
+            <a:endParaRPr lang="zh-CN" altLang="en-US" noProof="0"/>
           </a:p>
         </p:txBody>
       </p:sp>
@@ -7114,7 +7069,7 @@
           <a:p>
             <a:pPr lvl="0"/>
             <a:r>
-              <a:rPr lang="zh-CN" altLang="en-US" smtClean="0"/>
+              <a:rPr lang="zh-CN" altLang="en-US"/>
               <a:t>单击此处编辑母版文本样式</a:t>
             </a:r>
           </a:p>
@@ -7158,7 +7113,7 @@
               <a:pPr>
                 <a:defRPr/>
               </a:pPr>
-              <a:t>2020/9/25</a:t>
+              <a:t>2020/10/16</a:t>
             </a:fld>
             <a:endParaRPr lang="zh-CN" altLang="en-US"/>
           </a:p>
@@ -7305,13 +7260,6 @@
     <p:sldLayoutId id="2147485142" r:id="rId10"/>
     <p:sldLayoutId id="2147485143" r:id="rId11"/>
   </p:sldLayoutIdLst>
-  <p:timing>
-    <p:tnLst>
-      <p:par>
-        <p:cTn id="1" dur="indefinite" restart="never" nodeType="tmRoot"/>
-      </p:par>
-    </p:tnLst>
-  </p:timing>
   <p:txStyles>
     <p:titleStyle>
       <a:lvl1pPr algn="ctr" rtl="0" eaLnBrk="0" fontAlgn="base" hangingPunct="0">
@@ -7749,13 +7697,6 @@
     <p:sldLayoutId id="2147485153" r:id="rId10"/>
     <p:sldLayoutId id="2147485154" r:id="rId11"/>
   </p:sldLayoutIdLst>
-  <p:timing>
-    <p:tnLst>
-      <p:par>
-        <p:cTn id="1" dur="indefinite" restart="never" nodeType="tmRoot"/>
-      </p:par>
-    </p:tnLst>
-  </p:timing>
   <p:txStyles>
     <p:titleStyle>
       <a:lvl1pPr algn="ctr" rtl="0" eaLnBrk="0" fontAlgn="base" hangingPunct="0">
@@ -8322,28 +8263,21 @@
           </a:lstStyle>
           <a:p>
             <a:r>
-              <a:rPr lang="en-US" altLang="zh-CN" b="1" dirty="0" smtClean="0">
+              <a:rPr lang="en-US" altLang="zh-CN" b="1" dirty="0">
                 <a:latin typeface="Adobe 黑体 Std R" panose="020B0400000000000000" pitchFamily="34" charset="-122"/>
                 <a:ea typeface="Adobe 黑体 Std R" panose="020B0400000000000000" pitchFamily="34" charset="-122"/>
               </a:rPr>
               <a:t>Ch.4 </a:t>
             </a:r>
             <a:r>
-              <a:rPr lang="zh-CN" altLang="en-US" b="1" dirty="0" smtClean="0">
+              <a:rPr lang="zh-CN" altLang="en-US" b="1" dirty="0">
                 <a:latin typeface="Adobe 黑体 Std R" panose="020B0400000000000000" pitchFamily="34" charset="-122"/>
                 <a:ea typeface="Adobe 黑体 Std R" panose="020B0400000000000000" pitchFamily="34" charset="-122"/>
               </a:rPr>
               <a:t>内存结构</a:t>
             </a:r>
-            <a:r>
-              <a:rPr lang="zh-CN" altLang="en-US" dirty="0" smtClean="0">
-                <a:latin typeface="Adobe 黑体 Std R" panose="020B0400000000000000" pitchFamily="34" charset="-122"/>
-                <a:ea typeface="Adobe 黑体 Std R" panose="020B0400000000000000" pitchFamily="34" charset="-122"/>
-              </a:rPr>
-              <a:t/>
-            </a:r>
             <a:br>
-              <a:rPr lang="zh-CN" altLang="en-US" dirty="0" smtClean="0">
+              <a:rPr lang="zh-CN" altLang="en-US" dirty="0">
                 <a:latin typeface="Adobe 黑体 Std R" panose="020B0400000000000000" pitchFamily="34" charset="-122"/>
                 <a:ea typeface="Adobe 黑体 Std R" panose="020B0400000000000000" pitchFamily="34" charset="-122"/>
               </a:rPr>
@@ -8376,25 +8310,11 @@
           <a:p>
             <a:pPr algn="ctr"/>
             <a:r>
-              <a:rPr lang="en-US" altLang="zh-CN" sz="2400" b="1" dirty="0" smtClean="0">
-                <a:latin typeface="Adobe 黑体 Std R" panose="020B0400000000000000" pitchFamily="34" charset="-122"/>
-                <a:ea typeface="Adobe 黑体 Std R" panose="020B0400000000000000" pitchFamily="34" charset="-122"/>
-              </a:rPr>
-              <a:t>2020 </a:t>
-            </a:r>
-            <a:r>
               <a:rPr lang="en-US" altLang="zh-CN" sz="2400" b="1" dirty="0">
                 <a:latin typeface="Adobe 黑体 Std R" panose="020B0400000000000000" pitchFamily="34" charset="-122"/>
                 <a:ea typeface="Adobe 黑体 Std R" panose="020B0400000000000000" pitchFamily="34" charset="-122"/>
               </a:rPr>
-              <a:t>/ </a:t>
-            </a:r>
-            <a:r>
-              <a:rPr lang="en-US" altLang="zh-CN" sz="2400" b="1" dirty="0" smtClean="0">
-                <a:latin typeface="Adobe 黑体 Std R" panose="020B0400000000000000" pitchFamily="34" charset="-122"/>
-                <a:ea typeface="Adobe 黑体 Std R" panose="020B0400000000000000" pitchFamily="34" charset="-122"/>
-              </a:rPr>
-              <a:t>10</a:t>
+              <a:t>2020/10/16</a:t>
             </a:r>
             <a:endParaRPr lang="en-US" altLang="zh-CN" sz="2400" b="1" dirty="0">
               <a:ln w="12700">
@@ -8435,13 +8355,6 @@
       <p:transition/>
     </mc:Fallback>
   </mc:AlternateContent>
-  <p:timing>
-    <p:tnLst>
-      <p:par>
-        <p:cTn id="1" dur="indefinite" restart="never" nodeType="tmRoot"/>
-      </p:par>
-    </p:tnLst>
-  </p:timing>
 </p:sld>
 </file>
 
@@ -8575,10 +8488,9 @@
           <a:lstStyle/>
           <a:p>
             <a:r>
-              <a:rPr lang="zh-CN" altLang="en-US" dirty="0" smtClean="0"/>
+              <a:rPr lang="zh-CN" altLang="en-US" dirty="0"/>
               <a:t>搬砖问题</a:t>
             </a:r>
-            <a:endParaRPr lang="zh-CN" altLang="en-US" dirty="0"/>
           </a:p>
         </p:txBody>
       </p:sp>
@@ -8698,10 +8610,9 @@
           <a:lstStyle/>
           <a:p>
             <a:r>
-              <a:rPr lang="zh-CN" altLang="en-US" dirty="0" smtClean="0"/>
+              <a:rPr lang="zh-CN" altLang="en-US" dirty="0"/>
               <a:t>内存的分配和使用</a:t>
             </a:r>
-            <a:endParaRPr lang="zh-CN" altLang="en-US" dirty="0"/>
           </a:p>
         </p:txBody>
       </p:sp>
@@ -8721,24 +8632,24 @@
           <a:lstStyle/>
           <a:p>
             <a:r>
-              <a:rPr lang="zh-CN" altLang="en-US" dirty="0" smtClean="0"/>
+              <a:rPr lang="zh-CN" altLang="en-US" dirty="0"/>
               <a:t>堆</a:t>
             </a:r>
-            <a:endParaRPr lang="en-US" altLang="zh-CN" dirty="0" smtClean="0"/>
-          </a:p>
-          <a:p>
-            <a:r>
-              <a:rPr lang="zh-CN" altLang="en-US" dirty="0" smtClean="0"/>
+            <a:endParaRPr lang="en-US" altLang="zh-CN" dirty="0"/>
+          </a:p>
+          <a:p>
+            <a:r>
+              <a:rPr lang="zh-CN" altLang="en-US" dirty="0"/>
               <a:t>栈</a:t>
             </a:r>
-            <a:endParaRPr lang="en-US" altLang="zh-CN" dirty="0" smtClean="0"/>
-          </a:p>
-          <a:p>
-            <a:r>
-              <a:rPr lang="zh-CN" altLang="en-US" dirty="0" smtClean="0"/>
+            <a:endParaRPr lang="en-US" altLang="zh-CN" dirty="0"/>
+          </a:p>
+          <a:p>
+            <a:r>
+              <a:rPr lang="zh-CN" altLang="en-US" dirty="0"/>
               <a:t>函数是进程运行的单元</a:t>
             </a:r>
-            <a:endParaRPr lang="en-US" altLang="zh-CN" dirty="0" smtClean="0"/>
+            <a:endParaRPr lang="en-US" altLang="zh-CN" dirty="0"/>
           </a:p>
         </p:txBody>
       </p:sp>
@@ -8788,10 +8699,9 @@
           <a:lstStyle/>
           <a:p>
             <a:r>
-              <a:rPr lang="zh-CN" altLang="en-US" dirty="0" smtClean="0"/>
+              <a:rPr lang="zh-CN" altLang="en-US" dirty="0"/>
               <a:t>进程运行过程中的内存结构</a:t>
             </a:r>
-            <a:endParaRPr lang="zh-CN" altLang="en-US" dirty="0"/>
           </a:p>
         </p:txBody>
       </p:sp>
@@ -8811,31 +8721,27 @@
           <a:lstStyle/>
           <a:p>
             <a:r>
-              <a:rPr lang="zh-CN" altLang="en-US" dirty="0" smtClean="0"/>
+              <a:rPr lang="zh-CN" altLang="en-US" dirty="0"/>
               <a:t>整条内存有多大？</a:t>
             </a:r>
-            <a:endParaRPr lang="en-US" altLang="zh-CN" dirty="0" smtClean="0"/>
-          </a:p>
-          <a:p>
-            <a:r>
-              <a:rPr lang="zh-CN" altLang="en-US" dirty="0" smtClean="0"/>
-              <a:t>什么是进程？</a:t>
-            </a:r>
+            <a:endParaRPr lang="en-US" altLang="zh-CN" dirty="0"/>
+          </a:p>
+          <a:p>
             <a:r>
               <a:rPr lang="zh-CN" altLang="en-US" dirty="0"/>
-              <a:t>进程是程序的执行过程</a:t>
+              <a:t>什么是进程？进程是程序的执行过程</a:t>
             </a:r>
             <a:endParaRPr lang="en-US" altLang="zh-CN" dirty="0"/>
           </a:p>
           <a:p>
             <a:r>
-              <a:rPr lang="zh-CN" altLang="en-US" dirty="0" smtClean="0"/>
+              <a:rPr lang="zh-CN" altLang="en-US" dirty="0"/>
               <a:t>每个进程有多少内存？</a:t>
             </a:r>
-            <a:endParaRPr lang="en-US" altLang="zh-CN" dirty="0" smtClean="0"/>
-          </a:p>
-          <a:p>
-            <a:endParaRPr lang="en-US" altLang="zh-CN" dirty="0" smtClean="0"/>
+            <a:endParaRPr lang="en-US" altLang="zh-CN" dirty="0"/>
+          </a:p>
+          <a:p>
+            <a:endParaRPr lang="en-US" altLang="zh-CN" dirty="0"/>
           </a:p>
           <a:p>
             <a:pPr marL="457200" lvl="1" indent="0">
@@ -8891,18 +8797,9 @@
           <a:lstStyle/>
           <a:p>
             <a:r>
-              <a:rPr lang="zh-CN" altLang="en-US" dirty="0" smtClean="0"/>
-              <a:t>内存</a:t>
-            </a:r>
-            <a:r>
               <a:rPr lang="zh-CN" altLang="en-US" dirty="0"/>
-              <a:t>分配</a:t>
-            </a:r>
-            <a:r>
-              <a:rPr lang="zh-CN" altLang="en-US" dirty="0" smtClean="0"/>
-              <a:t>概览</a:t>
-            </a:r>
-            <a:endParaRPr lang="zh-CN" altLang="en-US" dirty="0"/>
+              <a:t>内存分配概览</a:t>
+            </a:r>
           </a:p>
         </p:txBody>
       </p:sp>
@@ -8968,36 +8865,35 @@
               <a:lstStyle/>
               <a:p>
                 <a:r>
-                  <a:rPr lang="en-US" altLang="zh-CN" b="1" dirty="0" smtClean="0"/>
+                  <a:rPr lang="en-US" altLang="zh-CN" b="1" dirty="0"/>
                   <a:t>p=0X00471C26</a:t>
                 </a:r>
               </a:p>
               <a:p>
                 <a:r>
-                  <a:rPr lang="en-US" altLang="zh-CN" b="1" dirty="0" smtClean="0"/>
+                  <a:rPr lang="en-US" altLang="zh-CN" b="1" dirty="0"/>
                   <a:t>q=0X00471C26</a:t>
                 </a:r>
               </a:p>
               <a:p>
                 <a:r>
-                  <a:rPr lang="en-US" altLang="zh-CN" b="1" dirty="0" smtClean="0"/>
+                  <a:rPr lang="en-US" altLang="zh-CN" b="1" dirty="0"/>
                   <a:t>name={‘</a:t>
                 </a:r>
                 <a:r>
-                  <a:rPr lang="en-US" altLang="zh-CN" b="1" dirty="0" err="1" smtClean="0"/>
+                  <a:rPr lang="en-US" altLang="zh-CN" b="1" dirty="0" err="1"/>
                   <a:t>a’,‘b’,‘c’,’d’,’e’,’f’,’g</a:t>
                 </a:r>
                 <a:r>
-                  <a:rPr lang="en-US" altLang="zh-CN" b="1" dirty="0" smtClean="0"/>
+                  <a:rPr lang="en-US" altLang="zh-CN" b="1" dirty="0"/>
                   <a:t>’}</a:t>
                 </a:r>
               </a:p>
               <a:p>
                 <a:r>
-                  <a:rPr lang="en-US" altLang="zh-CN" b="1" dirty="0" smtClean="0"/>
+                  <a:rPr lang="en-US" altLang="zh-CN" b="1" dirty="0"/>
                   <a:t>Title=0x00471C27</a:t>
                 </a:r>
-                <a:endParaRPr lang="en-US" altLang="zh-CN" b="1" dirty="0"/>
               </a:p>
             </p:txBody>
           </p:sp>
@@ -9076,7 +8972,7 @@
               <a:lstStyle/>
               <a:p>
                 <a:r>
-                  <a:rPr lang="en-US" altLang="zh-CN" b="1" dirty="0" smtClean="0"/>
+                  <a:rPr lang="en-US" altLang="zh-CN" b="1" dirty="0"/>
                   <a:t>0XEE30572A:0x0ff0b63e9ccd23a9……</a:t>
                 </a:r>
                 <a:endParaRPr lang="zh-CN" altLang="en-US" dirty="0"/>
@@ -9136,13 +9032,13 @@
               <a:lstStyle/>
               <a:p>
                 <a:r>
-                  <a:rPr lang="en-US" altLang="zh-CN" b="1" dirty="0" smtClean="0"/>
+                  <a:rPr lang="en-US" altLang="zh-CN" b="1" dirty="0"/>
                   <a:t>Max=65535       PI=3.1415926</a:t>
                 </a:r>
               </a:p>
               <a:p>
                 <a:r>
-                  <a:rPr lang="en-US" altLang="zh-CN" b="1" dirty="0" smtClean="0"/>
+                  <a:rPr lang="en-US" altLang="zh-CN" b="1" dirty="0"/>
                   <a:t>Sum=0</a:t>
                 </a:r>
               </a:p>
@@ -9182,33 +9078,29 @@
               <a:lstStyle/>
               <a:p>
                 <a:r>
-                  <a:rPr lang="en-US" altLang="zh-CN" b="1" dirty="0" smtClean="0"/>
-                  <a:t>0X00471C26</a:t>
-                </a:r>
-                <a:r>
                   <a:rPr lang="en-US" altLang="zh-CN" b="1" dirty="0"/>
-                  <a:t>:{‘</a:t>
+                  <a:t>0X00471C26:{‘</a:t>
                 </a:r>
                 <a:r>
                   <a:rPr lang="en-US" altLang="zh-CN" b="1" dirty="0" err="1"/>
                   <a:t>a’,‘b’,‘c’,’d’,’e’,’f’,’g</a:t>
                 </a:r>
                 <a:r>
-                  <a:rPr lang="en-US" altLang="zh-CN" b="1" dirty="0" smtClean="0"/>
+                  <a:rPr lang="en-US" altLang="zh-CN" b="1" dirty="0"/>
                   <a:t>’}</a:t>
                 </a:r>
               </a:p>
               <a:p>
                 <a:r>
-                  <a:rPr lang="en-US" altLang="zh-CN" b="1" dirty="0" smtClean="0"/>
+                  <a:rPr lang="en-US" altLang="zh-CN" b="1" dirty="0"/>
                   <a:t>0X00471C27:{‘</a:t>
                 </a:r>
                 <a:r>
-                  <a:rPr lang="en-US" altLang="zh-CN" b="1" dirty="0" err="1" smtClean="0"/>
+                  <a:rPr lang="en-US" altLang="zh-CN" b="1" dirty="0" err="1"/>
                   <a:t>p’,’r’,’e’,’s’,’I’,’d’,’e’,’n’,’t</a:t>
                 </a:r>
                 <a:r>
-                  <a:rPr lang="en-US" altLang="zh-CN" b="1" dirty="0" smtClean="0"/>
+                  <a:rPr lang="en-US" altLang="zh-CN" b="1" dirty="0"/>
                   <a:t>’}</a:t>
                 </a:r>
                 <a:endParaRPr lang="zh-CN" altLang="en-US" b="1" dirty="0"/>
@@ -9557,132 +9449,6 @@
           <a:p>
             <a:pPr lvl="1"/>
             <a:r>
-              <a:rPr lang="en-US" altLang="zh-CN" b="1" dirty="0" smtClean="0">
-                <a:solidFill>
-                  <a:srgbClr val="0000FF"/>
-                </a:solidFill>
-                <a:latin typeface="新宋体" panose="02010609030101010101" pitchFamily="49" charset="-122"/>
-                <a:ea typeface="新宋体" panose="02010609030101010101" pitchFamily="49" charset="-122"/>
-              </a:rPr>
-              <a:t>char</a:t>
-            </a:r>
-            <a:r>
-              <a:rPr lang="en-US" altLang="zh-CN" b="1" dirty="0" smtClean="0">
-                <a:solidFill>
-                  <a:srgbClr val="000000"/>
-                </a:solidFill>
-                <a:latin typeface="新宋体" panose="02010609030101010101" pitchFamily="49" charset="-122"/>
-                <a:ea typeface="新宋体" panose="02010609030101010101" pitchFamily="49" charset="-122"/>
-              </a:rPr>
-              <a:t> * p = </a:t>
-            </a:r>
-            <a:r>
-              <a:rPr lang="en-US" altLang="zh-CN" b="1" dirty="0" smtClean="0">
-                <a:solidFill>
-                  <a:srgbClr val="A31515"/>
-                </a:solidFill>
-                <a:latin typeface="新宋体" panose="02010609030101010101" pitchFamily="49" charset="-122"/>
-                <a:ea typeface="新宋体" panose="02010609030101010101" pitchFamily="49" charset="-122"/>
-              </a:rPr>
-              <a:t>“</a:t>
-            </a:r>
-            <a:r>
-              <a:rPr lang="en-US" altLang="zh-CN" b="1" dirty="0" err="1" smtClean="0">
-                <a:solidFill>
-                  <a:srgbClr val="A31515"/>
-                </a:solidFill>
-                <a:latin typeface="新宋体" panose="02010609030101010101" pitchFamily="49" charset="-122"/>
-                <a:ea typeface="新宋体" panose="02010609030101010101" pitchFamily="49" charset="-122"/>
-              </a:rPr>
-              <a:t>abcdefg</a:t>
-            </a:r>
-            <a:r>
-              <a:rPr lang="en-US" altLang="zh-CN" b="1" dirty="0" smtClean="0">
-                <a:solidFill>
-                  <a:srgbClr val="A31515"/>
-                </a:solidFill>
-                <a:latin typeface="新宋体" panose="02010609030101010101" pitchFamily="49" charset="-122"/>
-                <a:ea typeface="新宋体" panose="02010609030101010101" pitchFamily="49" charset="-122"/>
-              </a:rPr>
-              <a:t>"</a:t>
-            </a:r>
-            <a:r>
-              <a:rPr lang="en-US" altLang="zh-CN" b="1" dirty="0" smtClean="0">
-                <a:solidFill>
-                  <a:srgbClr val="000000"/>
-                </a:solidFill>
-                <a:latin typeface="新宋体" panose="02010609030101010101" pitchFamily="49" charset="-122"/>
-                <a:ea typeface="新宋体" panose="02010609030101010101" pitchFamily="49" charset="-122"/>
-              </a:rPr>
-              <a:t>;</a:t>
-            </a:r>
-          </a:p>
-          <a:p>
-            <a:pPr lvl="1"/>
-            <a:r>
-              <a:rPr lang="en-US" altLang="zh-CN" b="1" dirty="0" smtClean="0">
-                <a:solidFill>
-                  <a:srgbClr val="0000FF"/>
-                </a:solidFill>
-                <a:latin typeface="新宋体" panose="02010609030101010101" pitchFamily="49" charset="-122"/>
-                <a:ea typeface="新宋体" panose="02010609030101010101" pitchFamily="49" charset="-122"/>
-              </a:rPr>
-              <a:t>char</a:t>
-            </a:r>
-            <a:r>
-              <a:rPr lang="en-US" altLang="zh-CN" b="1" dirty="0" smtClean="0">
-                <a:solidFill>
-                  <a:srgbClr val="000000"/>
-                </a:solidFill>
-                <a:latin typeface="新宋体" panose="02010609030101010101" pitchFamily="49" charset="-122"/>
-                <a:ea typeface="新宋体" panose="02010609030101010101" pitchFamily="49" charset="-122"/>
-              </a:rPr>
-              <a:t> * q = </a:t>
-            </a:r>
-            <a:r>
-              <a:rPr lang="en-US" altLang="zh-CN" b="1" dirty="0" smtClean="0">
-                <a:solidFill>
-                  <a:srgbClr val="A31515"/>
-                </a:solidFill>
-                <a:latin typeface="新宋体" panose="02010609030101010101" pitchFamily="49" charset="-122"/>
-                <a:ea typeface="新宋体" panose="02010609030101010101" pitchFamily="49" charset="-122"/>
-              </a:rPr>
-              <a:t>“</a:t>
-            </a:r>
-            <a:r>
-              <a:rPr lang="en-US" altLang="zh-CN" b="1" dirty="0" err="1" smtClean="0">
-                <a:solidFill>
-                  <a:srgbClr val="A31515"/>
-                </a:solidFill>
-                <a:latin typeface="新宋体" panose="02010609030101010101" pitchFamily="49" charset="-122"/>
-                <a:ea typeface="新宋体" panose="02010609030101010101" pitchFamily="49" charset="-122"/>
-              </a:rPr>
-              <a:t>abcdefg</a:t>
-            </a:r>
-            <a:r>
-              <a:rPr lang="en-US" altLang="zh-CN" b="1" dirty="0" smtClean="0">
-                <a:solidFill>
-                  <a:srgbClr val="A31515"/>
-                </a:solidFill>
-                <a:latin typeface="新宋体" panose="02010609030101010101" pitchFamily="49" charset="-122"/>
-                <a:ea typeface="新宋体" panose="02010609030101010101" pitchFamily="49" charset="-122"/>
-              </a:rPr>
-              <a:t>"</a:t>
-            </a:r>
-            <a:r>
-              <a:rPr lang="en-US" altLang="zh-CN" b="1" dirty="0" smtClean="0">
-                <a:solidFill>
-                  <a:srgbClr val="000000"/>
-                </a:solidFill>
-                <a:latin typeface="新宋体" panose="02010609030101010101" pitchFamily="49" charset="-122"/>
-                <a:ea typeface="新宋体" panose="02010609030101010101" pitchFamily="49" charset="-122"/>
-              </a:rPr>
-              <a:t>;</a:t>
-            </a:r>
-          </a:p>
-          <a:p>
-            <a:pPr lvl="1"/>
-            <a:r>
               <a:rPr lang="en-US" altLang="zh-CN" b="1" dirty="0">
                 <a:solidFill>
                   <a:srgbClr val="0000FF"/>
@@ -9700,17 +9466,7 @@
                 <a:latin typeface="新宋体" panose="02010609030101010101" pitchFamily="49" charset="-122"/>
                 <a:ea typeface="新宋体" panose="02010609030101010101" pitchFamily="49" charset="-122"/>
               </a:rPr>
-              <a:t> </a:t>
-            </a:r>
-            <a:r>
-              <a:rPr lang="en-US" altLang="zh-CN" b="1" dirty="0" smtClean="0">
-                <a:solidFill>
-                  <a:srgbClr val="000000"/>
-                </a:solidFill>
-                <a:latin typeface="新宋体" panose="02010609030101010101" pitchFamily="49" charset="-122"/>
-                <a:ea typeface="新宋体" panose="02010609030101010101" pitchFamily="49" charset="-122"/>
-              </a:rPr>
-              <a:t>name [] = </a:t>
+              <a:t> * p = </a:t>
             </a:r>
             <a:r>
               <a:rPr lang="en-US" altLang="zh-CN" b="1" dirty="0">
@@ -9756,7 +9512,133 @@
           <a:p>
             <a:pPr lvl="1"/>
             <a:r>
-              <a:rPr lang="en-US" altLang="zh-CN" b="1" dirty="0" smtClean="0">
+              <a:rPr lang="en-US" altLang="zh-CN" b="1" dirty="0">
+                <a:solidFill>
+                  <a:srgbClr val="0000FF"/>
+                </a:solidFill>
+                <a:latin typeface="新宋体" panose="02010609030101010101" pitchFamily="49" charset="-122"/>
+                <a:ea typeface="新宋体" panose="02010609030101010101" pitchFamily="49" charset="-122"/>
+              </a:rPr>
+              <a:t>char</a:t>
+            </a:r>
+            <a:r>
+              <a:rPr lang="en-US" altLang="zh-CN" b="1" dirty="0">
+                <a:solidFill>
+                  <a:srgbClr val="000000"/>
+                </a:solidFill>
+                <a:latin typeface="新宋体" panose="02010609030101010101" pitchFamily="49" charset="-122"/>
+                <a:ea typeface="新宋体" panose="02010609030101010101" pitchFamily="49" charset="-122"/>
+              </a:rPr>
+              <a:t> * q = </a:t>
+            </a:r>
+            <a:r>
+              <a:rPr lang="en-US" altLang="zh-CN" b="1" dirty="0">
+                <a:solidFill>
+                  <a:srgbClr val="A31515"/>
+                </a:solidFill>
+                <a:latin typeface="新宋体" panose="02010609030101010101" pitchFamily="49" charset="-122"/>
+                <a:ea typeface="新宋体" panose="02010609030101010101" pitchFamily="49" charset="-122"/>
+              </a:rPr>
+              <a:t>“</a:t>
+            </a:r>
+            <a:r>
+              <a:rPr lang="en-US" altLang="zh-CN" b="1" dirty="0" err="1">
+                <a:solidFill>
+                  <a:srgbClr val="A31515"/>
+                </a:solidFill>
+                <a:latin typeface="新宋体" panose="02010609030101010101" pitchFamily="49" charset="-122"/>
+                <a:ea typeface="新宋体" panose="02010609030101010101" pitchFamily="49" charset="-122"/>
+              </a:rPr>
+              <a:t>abcdefg</a:t>
+            </a:r>
+            <a:r>
+              <a:rPr lang="en-US" altLang="zh-CN" b="1" dirty="0">
+                <a:solidFill>
+                  <a:srgbClr val="A31515"/>
+                </a:solidFill>
+                <a:latin typeface="新宋体" panose="02010609030101010101" pitchFamily="49" charset="-122"/>
+                <a:ea typeface="新宋体" panose="02010609030101010101" pitchFamily="49" charset="-122"/>
+              </a:rPr>
+              <a:t>"</a:t>
+            </a:r>
+            <a:r>
+              <a:rPr lang="en-US" altLang="zh-CN" b="1" dirty="0">
+                <a:solidFill>
+                  <a:srgbClr val="000000"/>
+                </a:solidFill>
+                <a:latin typeface="新宋体" panose="02010609030101010101" pitchFamily="49" charset="-122"/>
+                <a:ea typeface="新宋体" panose="02010609030101010101" pitchFamily="49" charset="-122"/>
+              </a:rPr>
+              <a:t>;</a:t>
+            </a:r>
+          </a:p>
+          <a:p>
+            <a:pPr lvl="1"/>
+            <a:r>
+              <a:rPr lang="en-US" altLang="zh-CN" b="1" dirty="0">
+                <a:solidFill>
+                  <a:srgbClr val="0000FF"/>
+                </a:solidFill>
+                <a:latin typeface="新宋体" panose="02010609030101010101" pitchFamily="49" charset="-122"/>
+                <a:ea typeface="新宋体" panose="02010609030101010101" pitchFamily="49" charset="-122"/>
+              </a:rPr>
+              <a:t>char</a:t>
+            </a:r>
+            <a:r>
+              <a:rPr lang="en-US" altLang="zh-CN" b="1" dirty="0">
+                <a:solidFill>
+                  <a:srgbClr val="000000"/>
+                </a:solidFill>
+                <a:latin typeface="新宋体" panose="02010609030101010101" pitchFamily="49" charset="-122"/>
+                <a:ea typeface="新宋体" panose="02010609030101010101" pitchFamily="49" charset="-122"/>
+              </a:rPr>
+              <a:t> name [] = </a:t>
+            </a:r>
+            <a:r>
+              <a:rPr lang="en-US" altLang="zh-CN" b="1" dirty="0">
+                <a:solidFill>
+                  <a:srgbClr val="A31515"/>
+                </a:solidFill>
+                <a:latin typeface="新宋体" panose="02010609030101010101" pitchFamily="49" charset="-122"/>
+                <a:ea typeface="新宋体" panose="02010609030101010101" pitchFamily="49" charset="-122"/>
+              </a:rPr>
+              <a:t>“</a:t>
+            </a:r>
+            <a:r>
+              <a:rPr lang="en-US" altLang="zh-CN" b="1" dirty="0" err="1">
+                <a:solidFill>
+                  <a:srgbClr val="A31515"/>
+                </a:solidFill>
+                <a:latin typeface="新宋体" panose="02010609030101010101" pitchFamily="49" charset="-122"/>
+                <a:ea typeface="新宋体" panose="02010609030101010101" pitchFamily="49" charset="-122"/>
+              </a:rPr>
+              <a:t>abcdefg</a:t>
+            </a:r>
+            <a:r>
+              <a:rPr lang="en-US" altLang="zh-CN" b="1" dirty="0">
+                <a:solidFill>
+                  <a:srgbClr val="A31515"/>
+                </a:solidFill>
+                <a:latin typeface="新宋体" panose="02010609030101010101" pitchFamily="49" charset="-122"/>
+                <a:ea typeface="新宋体" panose="02010609030101010101" pitchFamily="49" charset="-122"/>
+              </a:rPr>
+              <a:t>"</a:t>
+            </a:r>
+            <a:r>
+              <a:rPr lang="en-US" altLang="zh-CN" b="1" dirty="0">
+                <a:solidFill>
+                  <a:srgbClr val="000000"/>
+                </a:solidFill>
+                <a:latin typeface="新宋体" panose="02010609030101010101" pitchFamily="49" charset="-122"/>
+                <a:ea typeface="新宋体" panose="02010609030101010101" pitchFamily="49" charset="-122"/>
+              </a:rPr>
+              <a:t>;</a:t>
+            </a:r>
+          </a:p>
+          <a:p>
+            <a:pPr lvl="1"/>
+            <a:r>
+              <a:rPr lang="en-US" altLang="zh-CN" b="1" dirty="0">
                 <a:solidFill>
                   <a:srgbClr val="000000"/>
                 </a:solidFill>
@@ -9766,7 +9648,7 @@
               <a:t>char *title = </a:t>
             </a:r>
             <a:r>
-              <a:rPr lang="en-US" altLang="zh-CN" b="1" dirty="0" smtClean="0">
+              <a:rPr lang="en-US" altLang="zh-CN" b="1" dirty="0">
                 <a:solidFill>
                   <a:srgbClr val="A31515"/>
                 </a:solidFill>
@@ -9776,7 +9658,7 @@
               <a:t>“president"</a:t>
             </a:r>
             <a:r>
-              <a:rPr lang="en-US" altLang="zh-CN" b="1" dirty="0" smtClean="0">
+              <a:rPr lang="en-US" altLang="zh-CN" b="1" dirty="0">
                 <a:solidFill>
                   <a:srgbClr val="000000"/>
                 </a:solidFill>
@@ -9785,18 +9667,11 @@
               </a:rPr>
               <a:t>;</a:t>
             </a:r>
-            <a:endParaRPr lang="en-US" altLang="zh-CN" b="1" dirty="0">
-              <a:solidFill>
-                <a:srgbClr val="000000"/>
-              </a:solidFill>
-              <a:latin typeface="新宋体" panose="02010609030101010101" pitchFamily="49" charset="-122"/>
-              <a:ea typeface="新宋体" panose="02010609030101010101" pitchFamily="49" charset="-122"/>
-            </a:endParaRPr>
           </a:p>
           <a:p>
             <a:pPr lvl="1"/>
             <a:r>
-              <a:rPr lang="en-US" altLang="zh-CN" b="1" dirty="0" smtClean="0">
+              <a:rPr lang="en-US" altLang="zh-CN" b="1" dirty="0">
                 <a:solidFill>
                   <a:srgbClr val="0000FF"/>
                 </a:solidFill>
@@ -9806,7 +9681,7 @@
               <a:t>static</a:t>
             </a:r>
             <a:r>
-              <a:rPr lang="en-US" altLang="zh-CN" b="1" dirty="0" smtClean="0">
+              <a:rPr lang="en-US" altLang="zh-CN" b="1" dirty="0">
                 <a:solidFill>
                   <a:srgbClr val="000000"/>
                 </a:solidFill>
@@ -9816,7 +9691,7 @@
               <a:t> </a:t>
             </a:r>
             <a:r>
-              <a:rPr lang="en-US" altLang="zh-CN" b="1" dirty="0" err="1" smtClean="0">
+              <a:rPr lang="en-US" altLang="zh-CN" b="1" dirty="0" err="1">
                 <a:solidFill>
                   <a:srgbClr val="0000FF"/>
                 </a:solidFill>
@@ -9826,7 +9701,7 @@
               <a:t>int</a:t>
             </a:r>
             <a:r>
-              <a:rPr lang="en-US" altLang="zh-CN" b="1" dirty="0" smtClean="0">
+              <a:rPr lang="en-US" altLang="zh-CN" b="1" dirty="0">
                 <a:solidFill>
                   <a:srgbClr val="000000"/>
                 </a:solidFill>
@@ -9838,7 +9713,7 @@
           </a:p>
           <a:p>
             <a:pPr lvl="1"/>
-            <a:endParaRPr lang="zh-CN" altLang="en-US" b="1" dirty="0" smtClean="0">
+            <a:endParaRPr lang="zh-CN" altLang="en-US" b="1" dirty="0">
               <a:solidFill>
                 <a:srgbClr val="000000"/>
               </a:solidFill>
@@ -9849,7 +9724,7 @@
           <a:p>
             <a:pPr lvl="1"/>
             <a:r>
-              <a:rPr lang="en-US" altLang="zh-CN" b="1" dirty="0" err="1" smtClean="0">
+              <a:rPr lang="en-US" altLang="zh-CN" b="1" dirty="0" err="1">
                 <a:solidFill>
                   <a:srgbClr val="2B91AF"/>
                 </a:solidFill>
@@ -9859,16 +9734,6 @@
               <a:t>cbyte</a:t>
             </a:r>
             <a:r>
-              <a:rPr lang="en-US" altLang="zh-CN" b="1" dirty="0" smtClean="0">
-                <a:solidFill>
-                  <a:srgbClr val="000000"/>
-                </a:solidFill>
-                <a:latin typeface="新宋体" panose="02010609030101010101" pitchFamily="49" charset="-122"/>
-                <a:ea typeface="新宋体" panose="02010609030101010101" pitchFamily="49" charset="-122"/>
-              </a:rPr>
-              <a:t> </a:t>
-            </a:r>
-            <a:r>
               <a:rPr lang="en-US" altLang="zh-CN" b="1" dirty="0">
                 <a:solidFill>
                   <a:srgbClr val="000000"/>
@@ -9876,7 +9741,7 @@
                 <a:latin typeface="新宋体" panose="02010609030101010101" pitchFamily="49" charset="-122"/>
                 <a:ea typeface="新宋体" panose="02010609030101010101" pitchFamily="49" charset="-122"/>
               </a:rPr>
-              <a:t>* </a:t>
+              <a:t> * </a:t>
             </a:r>
             <a:r>
               <a:rPr lang="en-US" altLang="zh-CN" b="1" dirty="0" err="1">
@@ -10045,13 +9910,6 @@
   <p:clrMapOvr>
     <a:masterClrMapping/>
   </p:clrMapOvr>
-  <p:timing>
-    <p:tnLst>
-      <p:par>
-        <p:cTn id="1" dur="indefinite" restart="never" nodeType="tmRoot"/>
-      </p:par>
-    </p:tnLst>
-  </p:timing>
 </p:sld>
 </file>
 
@@ -10088,10 +9946,9 @@
           <a:lstStyle/>
           <a:p>
             <a:r>
-              <a:rPr lang="zh-CN" altLang="en-US" dirty="0" smtClean="0"/>
+              <a:rPr lang="zh-CN" altLang="en-US" dirty="0"/>
               <a:t>函数类比</a:t>
             </a:r>
-            <a:endParaRPr lang="zh-CN" altLang="en-US" dirty="0"/>
           </a:p>
         </p:txBody>
       </p:sp>
@@ -10116,71 +9973,71 @@
           <a:lstStyle/>
           <a:p>
             <a:r>
-              <a:rPr lang="en-US" altLang="zh-CN" sz="2800" dirty="0" smtClean="0"/>
+              <a:rPr lang="en-US" altLang="zh-CN" sz="2800" dirty="0"/>
               <a:t>function = </a:t>
             </a:r>
             <a:r>
-              <a:rPr lang="zh-CN" altLang="en-US" sz="2800" dirty="0" smtClean="0"/>
+              <a:rPr lang="zh-CN" altLang="en-US" sz="2800" dirty="0"/>
               <a:t>吃饭（多人）</a:t>
             </a:r>
-            <a:endParaRPr lang="en-US" altLang="zh-CN" sz="2800" dirty="0" smtClean="0"/>
+            <a:endParaRPr lang="en-US" altLang="zh-CN" sz="2800" dirty="0"/>
           </a:p>
           <a:p>
             <a:pPr lvl="1"/>
             <a:r>
-              <a:rPr lang="zh-CN" altLang="en-US" sz="2400" dirty="0" smtClean="0"/>
+              <a:rPr lang="zh-CN" altLang="en-US" sz="2400" dirty="0"/>
               <a:t>内存空间 </a:t>
             </a:r>
             <a:r>
-              <a:rPr lang="en-US" altLang="zh-CN" sz="2400" dirty="0" smtClean="0"/>
+              <a:rPr lang="en-US" altLang="zh-CN" sz="2400" dirty="0"/>
               <a:t>= </a:t>
             </a:r>
             <a:r>
-              <a:rPr lang="zh-CN" altLang="en-US" sz="2400" dirty="0" smtClean="0"/>
+              <a:rPr lang="zh-CN" altLang="en-US" sz="2400" dirty="0"/>
               <a:t>盘子</a:t>
             </a:r>
-            <a:endParaRPr lang="en-US" altLang="zh-CN" sz="2400" dirty="0" smtClean="0"/>
+            <a:endParaRPr lang="en-US" altLang="zh-CN" sz="2400" dirty="0"/>
           </a:p>
           <a:p>
             <a:pPr lvl="1"/>
             <a:r>
-              <a:rPr lang="zh-CN" altLang="en-US" sz="2400" dirty="0" smtClean="0"/>
+              <a:rPr lang="zh-CN" altLang="en-US" sz="2400" dirty="0"/>
               <a:t>数据 </a:t>
             </a:r>
             <a:r>
-              <a:rPr lang="en-US" altLang="zh-CN" sz="2400" dirty="0" smtClean="0"/>
+              <a:rPr lang="en-US" altLang="zh-CN" sz="2400" dirty="0"/>
               <a:t>= </a:t>
             </a:r>
             <a:r>
-              <a:rPr lang="zh-CN" altLang="en-US" sz="2400" dirty="0" smtClean="0"/>
+              <a:rPr lang="zh-CN" altLang="en-US" sz="2400" dirty="0"/>
               <a:t>食物</a:t>
             </a:r>
-            <a:endParaRPr lang="en-US" altLang="zh-CN" sz="2400" dirty="0" smtClean="0"/>
-          </a:p>
-          <a:p>
-            <a:r>
-              <a:rPr lang="en-US" altLang="zh-CN" sz="2800" dirty="0" smtClean="0"/>
+            <a:endParaRPr lang="en-US" altLang="zh-CN" sz="2400" dirty="0"/>
+          </a:p>
+          <a:p>
+            <a:r>
+              <a:rPr lang="en-US" altLang="zh-CN" sz="2800" dirty="0"/>
               <a:t>return = </a:t>
             </a:r>
             <a:r>
-              <a:rPr lang="zh-CN" altLang="en-US" sz="2800" dirty="0" smtClean="0"/>
+              <a:rPr lang="zh-CN" altLang="en-US" sz="2800" dirty="0"/>
               <a:t>吃完，盘子回收了</a:t>
             </a:r>
-            <a:endParaRPr lang="en-US" altLang="zh-CN" sz="2800" dirty="0" smtClean="0"/>
+            <a:endParaRPr lang="en-US" altLang="zh-CN" sz="2800" dirty="0"/>
           </a:p>
           <a:p>
             <a:pPr marL="0" indent="0">
               <a:buNone/>
             </a:pPr>
             <a:r>
-              <a:rPr lang="en-US" altLang="zh-CN" sz="2800" dirty="0" smtClean="0"/>
+              <a:rPr lang="en-US" altLang="zh-CN" sz="2800" dirty="0"/>
               <a:t>	void</a:t>
             </a:r>
             <a:r>
-              <a:rPr lang="zh-CN" altLang="en-US" sz="2800" dirty="0" smtClean="0"/>
+              <a:rPr lang="zh-CN" altLang="en-US" sz="2800" dirty="0"/>
               <a:t>：吃完走人</a:t>
             </a:r>
-            <a:endParaRPr lang="en-US" altLang="zh-CN" sz="2800" dirty="0" smtClean="0"/>
+            <a:endParaRPr lang="en-US" altLang="zh-CN" sz="2800" dirty="0"/>
           </a:p>
           <a:p>
             <a:pPr marL="0" indent="0">
@@ -10191,28 +10048,28 @@
               <a:t>	</a:t>
             </a:r>
             <a:r>
-              <a:rPr lang="en-US" altLang="zh-CN" sz="2800" dirty="0" err="1" smtClean="0"/>
+              <a:rPr lang="en-US" altLang="zh-CN" sz="2800" dirty="0" err="1"/>
               <a:t>int</a:t>
             </a:r>
             <a:r>
-              <a:rPr lang="zh-CN" altLang="en-US" sz="2800" dirty="0" smtClean="0"/>
+              <a:rPr lang="zh-CN" altLang="en-US" sz="2800" dirty="0"/>
               <a:t>：花了多少钱？</a:t>
             </a:r>
-            <a:endParaRPr lang="en-US" altLang="zh-CN" sz="2800" dirty="0" smtClean="0"/>
+            <a:endParaRPr lang="en-US" altLang="zh-CN" sz="2800" dirty="0"/>
           </a:p>
           <a:p>
             <a:pPr marL="0" indent="0">
               <a:buNone/>
             </a:pPr>
             <a:r>
-              <a:rPr lang="en-US" altLang="zh-CN" sz="2800" dirty="0" smtClean="0"/>
+              <a:rPr lang="en-US" altLang="zh-CN" sz="2800" dirty="0"/>
               <a:t>	bool</a:t>
             </a:r>
             <a:r>
-              <a:rPr lang="zh-CN" altLang="en-US" sz="2800" dirty="0" smtClean="0"/>
+              <a:rPr lang="zh-CN" altLang="en-US" sz="2800" dirty="0"/>
               <a:t>：吃得好不好</a:t>
             </a:r>
-            <a:endParaRPr lang="en-US" altLang="zh-CN" sz="2800" dirty="0" smtClean="0"/>
+            <a:endParaRPr lang="en-US" altLang="zh-CN" sz="2800" dirty="0"/>
           </a:p>
           <a:p>
             <a:pPr marL="0" indent="0">
@@ -10223,22 +10080,18 @@
               <a:t>	</a:t>
             </a:r>
             <a:r>
-              <a:rPr lang="en-US" altLang="zh-CN" sz="2800" dirty="0" err="1" smtClean="0"/>
+              <a:rPr lang="en-US" altLang="zh-CN" sz="2800" dirty="0" err="1"/>
               <a:t>int</a:t>
             </a:r>
             <a:r>
               <a:rPr lang="en-US" altLang="zh-CN" sz="2800" dirty="0"/>
-              <a:t> </a:t>
-            </a:r>
-            <a:r>
-              <a:rPr lang="en-US" altLang="zh-CN" sz="2800" dirty="0" smtClean="0"/>
-              <a:t>* </a:t>
-            </a:r>
-            <a:r>
-              <a:rPr lang="zh-CN" altLang="en-US" sz="2800" dirty="0" smtClean="0"/>
+              <a:t> * </a:t>
+            </a:r>
+            <a:r>
+              <a:rPr lang="zh-CN" altLang="en-US" sz="2800" dirty="0"/>
               <a:t>：包间号</a:t>
             </a:r>
-            <a:endParaRPr lang="en-US" altLang="zh-CN" sz="2800" dirty="0" smtClean="0"/>
+            <a:endParaRPr lang="en-US" altLang="zh-CN" sz="2800" dirty="0"/>
           </a:p>
           <a:p>
             <a:pPr marL="0" indent="0">
@@ -10248,10 +10101,9 @@
               <a:rPr lang="en-US" altLang="zh-CN" dirty="0"/>
               <a:t>	</a:t>
             </a:r>
-            <a:endParaRPr lang="en-US" altLang="zh-CN" dirty="0" smtClean="0"/>
-          </a:p>
-          <a:p>
-            <a:endParaRPr lang="en-US" altLang="zh-CN" dirty="0" smtClean="0"/>
+          </a:p>
+          <a:p>
+            <a:endParaRPr lang="en-US" altLang="zh-CN" dirty="0"/>
           </a:p>
           <a:p>
             <a:endParaRPr lang="zh-CN" altLang="en-US" dirty="0"/>
@@ -10304,10 +10156,9 @@
           <a:lstStyle/>
           <a:p>
             <a:r>
-              <a:rPr lang="zh-CN" altLang="en-US" dirty="0" smtClean="0"/>
+              <a:rPr lang="zh-CN" altLang="en-US" dirty="0"/>
               <a:t>栈</a:t>
             </a:r>
-            <a:endParaRPr lang="zh-CN" altLang="en-US" dirty="0"/>
           </a:p>
         </p:txBody>
       </p:sp>
@@ -10327,25 +10178,24 @@
           <a:lstStyle/>
           <a:p>
             <a:r>
-              <a:rPr lang="zh-CN" altLang="en-US" sz="2800" dirty="0" smtClean="0"/>
+              <a:rPr lang="zh-CN" altLang="en-US" sz="2800" dirty="0"/>
               <a:t>吃完（</a:t>
             </a:r>
             <a:r>
-              <a:rPr lang="en-US" altLang="zh-CN" sz="2800" dirty="0" err="1" smtClean="0"/>
+              <a:rPr lang="en-US" altLang="zh-CN" sz="2800" dirty="0" err="1"/>
               <a:t>reutrn</a:t>
             </a:r>
             <a:r>
-              <a:rPr lang="zh-CN" altLang="en-US" sz="2800" dirty="0" smtClean="0"/>
+              <a:rPr lang="zh-CN" altLang="en-US" sz="2800" dirty="0"/>
               <a:t>）后，服务员把盘子拿走了</a:t>
             </a:r>
-            <a:endParaRPr lang="en-US" altLang="zh-CN" sz="2800" dirty="0" smtClean="0"/>
-          </a:p>
-          <a:p>
-            <a:r>
-              <a:rPr lang="zh-CN" altLang="en-US" sz="2800" dirty="0" smtClean="0"/>
+            <a:endParaRPr lang="en-US" altLang="zh-CN" sz="2800" dirty="0"/>
+          </a:p>
+          <a:p>
+            <a:r>
+              <a:rPr lang="zh-CN" altLang="en-US" sz="2800" dirty="0"/>
               <a:t>再想找你用过的盘子，可能已经分配给别人了</a:t>
             </a:r>
-            <a:endParaRPr lang="zh-CN" altLang="en-US" sz="2800" dirty="0"/>
           </a:p>
         </p:txBody>
       </p:sp>
@@ -10419,10 +10269,9 @@
           <a:lstStyle/>
           <a:p>
             <a:r>
-              <a:rPr lang="zh-CN" altLang="en-US" dirty="0" smtClean="0"/>
+              <a:rPr lang="zh-CN" altLang="en-US" dirty="0"/>
               <a:t>堆</a:t>
             </a:r>
-            <a:endParaRPr lang="zh-CN" altLang="en-US" dirty="0"/>
           </a:p>
         </p:txBody>
       </p:sp>
@@ -10442,39 +10291,38 @@
           <a:lstStyle/>
           <a:p>
             <a:r>
-              <a:rPr lang="zh-CN" altLang="en-US" dirty="0" smtClean="0"/>
+              <a:rPr lang="zh-CN" altLang="en-US" dirty="0"/>
               <a:t>餐厅有一种服务，可以外借盘子</a:t>
             </a:r>
-            <a:endParaRPr lang="en-US" altLang="zh-CN" dirty="0" smtClean="0"/>
-          </a:p>
-          <a:p>
-            <a:r>
-              <a:rPr lang="zh-CN" altLang="en-US" dirty="0" smtClean="0"/>
+            <a:endParaRPr lang="en-US" altLang="zh-CN" dirty="0"/>
+          </a:p>
+          <a:p>
+            <a:r>
+              <a:rPr lang="zh-CN" altLang="en-US" dirty="0"/>
               <a:t>借的盘子可以在餐厅就餐使用</a:t>
             </a:r>
-            <a:endParaRPr lang="en-US" altLang="zh-CN" dirty="0" smtClean="0"/>
-          </a:p>
-          <a:p>
-            <a:r>
-              <a:rPr lang="zh-CN" altLang="en-US" dirty="0" smtClean="0"/>
+            <a:endParaRPr lang="en-US" altLang="zh-CN" dirty="0"/>
+          </a:p>
+          <a:p>
+            <a:r>
+              <a:rPr lang="zh-CN" altLang="en-US" dirty="0"/>
               <a:t>你借了 </a:t>
             </a:r>
             <a:r>
-              <a:rPr lang="en-US" altLang="zh-CN" dirty="0" smtClean="0"/>
+              <a:rPr lang="en-US" altLang="zh-CN" dirty="0"/>
               <a:t>10 </a:t>
             </a:r>
             <a:r>
-              <a:rPr lang="zh-CN" altLang="en-US" dirty="0" smtClean="0"/>
+              <a:rPr lang="zh-CN" altLang="en-US" dirty="0"/>
               <a:t>个盘子回家吃饭，吃多少次饭都可以</a:t>
             </a:r>
-            <a:endParaRPr lang="en-US" altLang="zh-CN" dirty="0" smtClean="0"/>
-          </a:p>
-          <a:p>
-            <a:r>
-              <a:rPr lang="zh-CN" altLang="en-US" dirty="0" smtClean="0"/>
+            <a:endParaRPr lang="en-US" altLang="zh-CN" dirty="0"/>
+          </a:p>
+          <a:p>
+            <a:r>
+              <a:rPr lang="zh-CN" altLang="en-US" dirty="0"/>
               <a:t>直到你把盘子送回来，其他顾客才可以再使用</a:t>
             </a:r>
-            <a:endParaRPr lang="zh-CN" altLang="en-US" dirty="0"/>
           </a:p>
         </p:txBody>
       </p:sp>
@@ -10524,10 +10372,9 @@
           <a:lstStyle/>
           <a:p>
             <a:r>
-              <a:rPr lang="zh-CN" altLang="en-US" dirty="0" smtClean="0"/>
+              <a:rPr lang="zh-CN" altLang="en-US" dirty="0"/>
               <a:t>堆的结构管理</a:t>
             </a:r>
-            <a:endParaRPr lang="zh-CN" altLang="en-US" dirty="0"/>
           </a:p>
         </p:txBody>
       </p:sp>
@@ -10547,17 +10394,16 @@
           <a:lstStyle/>
           <a:p>
             <a:r>
-              <a:rPr lang="zh-CN" altLang="en-US" dirty="0" smtClean="0"/>
+              <a:rPr lang="zh-CN" altLang="en-US" dirty="0"/>
               <a:t>是一个链表结构</a:t>
             </a:r>
-            <a:endParaRPr lang="en-US" altLang="zh-CN" dirty="0" smtClean="0"/>
-          </a:p>
-          <a:p>
-            <a:r>
-              <a:rPr lang="zh-CN" altLang="en-US" smtClean="0"/>
+            <a:endParaRPr lang="en-US" altLang="zh-CN" dirty="0"/>
+          </a:p>
+          <a:p>
+            <a:r>
+              <a:rPr lang="zh-CN" altLang="en-US"/>
               <a:t>为什么使用这种结构？</a:t>
             </a:r>
-            <a:endParaRPr lang="zh-CN" altLang="en-US"/>
           </a:p>
         </p:txBody>
       </p:sp>
@@ -11499,10 +11345,9 @@
           <a:lstStyle/>
           <a:p>
             <a:r>
-              <a:rPr lang="zh-CN" altLang="en-US" dirty="0" smtClean="0"/>
+              <a:rPr lang="zh-CN" altLang="en-US" dirty="0"/>
               <a:t>堆的原始状态和变化过程</a:t>
             </a:r>
-            <a:endParaRPr lang="zh-CN" altLang="en-US" dirty="0"/>
           </a:p>
         </p:txBody>
       </p:sp>
@@ -13143,7 +12988,7 @@
           <a:lstStyle/>
           <a:p>
             <a:r>
-              <a:rPr lang="en-US" altLang="zh-CN" dirty="0" smtClean="0"/>
+              <a:rPr lang="en-US" altLang="zh-CN" dirty="0"/>
               <a:t>new A(12)</a:t>
             </a:r>
             <a:endParaRPr lang="zh-CN" altLang="en-US" dirty="0"/>
@@ -13173,7 +13018,7 @@
           <a:lstStyle/>
           <a:p>
             <a:r>
-              <a:rPr lang="en-US" altLang="zh-CN" dirty="0" smtClean="0"/>
+              <a:rPr lang="en-US" altLang="zh-CN" dirty="0"/>
               <a:t>new B(8)</a:t>
             </a:r>
             <a:endParaRPr lang="zh-CN" altLang="en-US" dirty="0"/>
@@ -13370,10 +13215,9 @@
           <a:lstStyle/>
           <a:p>
             <a:r>
-              <a:rPr lang="zh-CN" altLang="en-US" dirty="0" smtClean="0"/>
+              <a:rPr lang="zh-CN" altLang="en-US" dirty="0"/>
               <a:t>都有哪些存储设备</a:t>
             </a:r>
-            <a:endParaRPr lang="zh-CN" altLang="en-US" dirty="0"/>
           </a:p>
         </p:txBody>
       </p:sp>
@@ -13393,54 +13237,54 @@
           <a:lstStyle/>
           <a:p>
             <a:r>
-              <a:rPr lang="en-US" altLang="zh-CN" dirty="0" smtClean="0"/>
+              <a:rPr lang="en-US" altLang="zh-CN" dirty="0"/>
               <a:t>CPU</a:t>
             </a:r>
             <a:r>
-              <a:rPr lang="zh-CN" altLang="en-US" dirty="0" smtClean="0"/>
+              <a:rPr lang="zh-CN" altLang="en-US" dirty="0"/>
               <a:t>寄存器</a:t>
             </a:r>
-            <a:endParaRPr lang="en-US" altLang="zh-CN" dirty="0" smtClean="0"/>
-          </a:p>
-          <a:p>
-            <a:r>
-              <a:rPr lang="zh-CN" altLang="en-US" dirty="0" smtClean="0"/>
+            <a:endParaRPr lang="en-US" altLang="zh-CN" dirty="0"/>
+          </a:p>
+          <a:p>
+            <a:r>
+              <a:rPr lang="zh-CN" altLang="en-US" dirty="0"/>
               <a:t>高速缓存</a:t>
             </a:r>
             <a:r>
-              <a:rPr lang="en-US" altLang="zh-CN" dirty="0" smtClean="0"/>
+              <a:rPr lang="en-US" altLang="zh-CN" dirty="0"/>
               <a:t>cache</a:t>
             </a:r>
           </a:p>
           <a:p>
             <a:r>
-              <a:rPr lang="zh-CN" altLang="en-US" dirty="0" smtClean="0"/>
+              <a:rPr lang="zh-CN" altLang="en-US" dirty="0"/>
               <a:t>内存</a:t>
             </a:r>
-            <a:endParaRPr lang="en-US" altLang="zh-CN" dirty="0" smtClean="0"/>
-          </a:p>
-          <a:p>
-            <a:r>
-              <a:rPr lang="zh-CN" altLang="en-US" dirty="0" smtClean="0"/>
+            <a:endParaRPr lang="en-US" altLang="zh-CN" dirty="0"/>
+          </a:p>
+          <a:p>
+            <a:r>
+              <a:rPr lang="zh-CN" altLang="en-US" dirty="0"/>
               <a:t>外部存储设备（磁盘</a:t>
             </a:r>
             <a:r>
-              <a:rPr lang="en-US" altLang="zh-CN" dirty="0" smtClean="0"/>
+              <a:rPr lang="en-US" altLang="zh-CN" dirty="0"/>
               <a:t>/</a:t>
             </a:r>
             <a:r>
-              <a:rPr lang="zh-CN" altLang="en-US" dirty="0" smtClean="0"/>
+              <a:rPr lang="zh-CN" altLang="en-US" dirty="0"/>
               <a:t>光盘</a:t>
             </a:r>
             <a:r>
-              <a:rPr lang="en-US" altLang="zh-CN" dirty="0" smtClean="0"/>
+              <a:rPr lang="en-US" altLang="zh-CN" dirty="0"/>
               <a:t>/SSD</a:t>
             </a:r>
             <a:r>
-              <a:rPr lang="zh-CN" altLang="en-US" dirty="0" smtClean="0"/>
+              <a:rPr lang="zh-CN" altLang="en-US" dirty="0"/>
               <a:t>硬盘）</a:t>
             </a:r>
-            <a:endParaRPr lang="en-US" altLang="zh-CN" dirty="0" smtClean="0"/>
+            <a:endParaRPr lang="en-US" altLang="zh-CN" dirty="0"/>
           </a:p>
           <a:p>
             <a:endParaRPr lang="zh-CN" altLang="en-US" dirty="0"/>
@@ -13493,10 +13337,9 @@
           <a:lstStyle/>
           <a:p>
             <a:r>
-              <a:rPr lang="zh-CN" altLang="en-US" dirty="0" smtClean="0"/>
+              <a:rPr lang="zh-CN" altLang="en-US" dirty="0"/>
               <a:t>堆的原始状态和变化过程</a:t>
             </a:r>
-            <a:endParaRPr lang="zh-CN" altLang="en-US" dirty="0"/>
           </a:p>
         </p:txBody>
       </p:sp>
@@ -14240,7 +14083,7 @@
           <a:lstStyle/>
           <a:p>
             <a:r>
-              <a:rPr lang="en-US" altLang="zh-CN" dirty="0" smtClean="0"/>
+              <a:rPr lang="en-US" altLang="zh-CN" dirty="0"/>
               <a:t>delete A</a:t>
             </a:r>
             <a:endParaRPr lang="zh-CN" altLang="en-US" dirty="0"/>
@@ -14323,10 +14166,9 @@
           <a:lstStyle/>
           <a:p>
             <a:r>
-              <a:rPr lang="zh-CN" altLang="en-US" dirty="0" smtClean="0"/>
+              <a:rPr lang="zh-CN" altLang="en-US" dirty="0"/>
               <a:t>堆的原始状态和变化过程</a:t>
             </a:r>
-            <a:endParaRPr lang="zh-CN" altLang="en-US" dirty="0"/>
           </a:p>
         </p:txBody>
       </p:sp>
@@ -15058,7 +14900,7 @@
           <a:lstStyle/>
           <a:p>
             <a:r>
-              <a:rPr lang="en-US" altLang="zh-CN" dirty="0" smtClean="0"/>
+              <a:rPr lang="en-US" altLang="zh-CN" dirty="0"/>
               <a:t>delete A</a:t>
             </a:r>
             <a:endParaRPr lang="zh-CN" altLang="en-US" dirty="0"/>
@@ -15089,11 +14931,7 @@
           <a:p>
             <a:r>
               <a:rPr lang="en-US" altLang="zh-CN" dirty="0"/>
-              <a:t>d</a:t>
-            </a:r>
-            <a:r>
-              <a:rPr lang="en-US" altLang="zh-CN" dirty="0" smtClean="0"/>
-              <a:t>elete B</a:t>
+              <a:t>delete B</a:t>
             </a:r>
             <a:endParaRPr lang="zh-CN" altLang="en-US" dirty="0"/>
           </a:p>
@@ -15182,10 +15020,9 @@
           <a:lstStyle/>
           <a:p>
             <a:r>
-              <a:rPr lang="zh-CN" altLang="en-US" dirty="0" smtClean="0"/>
+              <a:rPr lang="zh-CN" altLang="en-US" dirty="0"/>
               <a:t>内存碎片</a:t>
             </a:r>
-            <a:endParaRPr lang="zh-CN" altLang="en-US" dirty="0"/>
           </a:p>
         </p:txBody>
       </p:sp>
@@ -16127,10 +15964,9 @@
           <a:lstStyle/>
           <a:p>
             <a:r>
-              <a:rPr lang="zh-CN" altLang="en-US" dirty="0" smtClean="0"/>
+              <a:rPr lang="zh-CN" altLang="en-US" dirty="0"/>
               <a:t>堆的分配方法</a:t>
             </a:r>
-            <a:endParaRPr lang="zh-CN" altLang="en-US" dirty="0"/>
           </a:p>
         </p:txBody>
       </p:sp>
@@ -16150,17 +15986,17 @@
           <a:lstStyle/>
           <a:p>
             <a:r>
-              <a:rPr lang="en-US" altLang="zh-CN" dirty="0" err="1" smtClean="0"/>
+              <a:rPr lang="en-US" altLang="zh-CN" dirty="0" err="1"/>
               <a:t>malloc</a:t>
             </a:r>
             <a:r>
-              <a:rPr lang="en-US" altLang="zh-CN" dirty="0" smtClean="0"/>
+              <a:rPr lang="en-US" altLang="zh-CN" dirty="0"/>
               <a:t>/free</a:t>
             </a:r>
           </a:p>
           <a:p>
             <a:r>
-              <a:rPr lang="en-US" altLang="zh-CN" dirty="0" smtClean="0"/>
+              <a:rPr lang="en-US" altLang="zh-CN" dirty="0"/>
               <a:t>new/delete</a:t>
             </a:r>
             <a:endParaRPr lang="zh-CN" altLang="en-US" dirty="0"/>
@@ -16213,10 +16049,9 @@
           <a:lstStyle/>
           <a:p>
             <a:r>
-              <a:rPr lang="zh-CN" altLang="en-US" dirty="0" smtClean="0"/>
+              <a:rPr lang="zh-CN" altLang="en-US" dirty="0"/>
               <a:t>几个显著的内存问题</a:t>
             </a:r>
-            <a:endParaRPr lang="zh-CN" altLang="en-US" dirty="0"/>
           </a:p>
         </p:txBody>
       </p:sp>
@@ -16236,36 +16071,36 @@
           <a:lstStyle/>
           <a:p>
             <a:r>
-              <a:rPr lang="zh-CN" altLang="en-US" dirty="0" smtClean="0"/>
+              <a:rPr lang="zh-CN" altLang="en-US" dirty="0"/>
               <a:t>内存溢出：计算超过限定大小</a:t>
             </a:r>
-            <a:endParaRPr lang="en-US" altLang="zh-CN" dirty="0" smtClean="0"/>
-          </a:p>
-          <a:p>
-            <a:r>
-              <a:rPr lang="zh-CN" altLang="en-US" dirty="0" smtClean="0"/>
+            <a:endParaRPr lang="en-US" altLang="zh-CN" dirty="0"/>
+          </a:p>
+          <a:p>
+            <a:r>
+              <a:rPr lang="zh-CN" altLang="en-US" dirty="0"/>
               <a:t>访问越界：数组超出范围</a:t>
             </a:r>
-            <a:endParaRPr lang="en-US" altLang="zh-CN" dirty="0" smtClean="0"/>
-          </a:p>
-          <a:p>
-            <a:r>
-              <a:rPr lang="zh-CN" altLang="en-US" dirty="0" smtClean="0"/>
+            <a:endParaRPr lang="en-US" altLang="zh-CN" dirty="0"/>
+          </a:p>
+          <a:p>
+            <a:r>
+              <a:rPr lang="zh-CN" altLang="en-US" dirty="0"/>
               <a:t>栈溢出：栈空间不足</a:t>
             </a:r>
-            <a:endParaRPr lang="en-US" altLang="zh-CN" dirty="0" smtClean="0"/>
-          </a:p>
-          <a:p>
-            <a:r>
-              <a:rPr lang="zh-CN" altLang="en-US" dirty="0" smtClean="0"/>
+            <a:endParaRPr lang="en-US" altLang="zh-CN" dirty="0"/>
+          </a:p>
+          <a:p>
+            <a:r>
+              <a:rPr lang="zh-CN" altLang="en-US" dirty="0"/>
               <a:t>内存泄漏：没有回收，或是访问已经回收</a:t>
             </a:r>
             <a:r>
-              <a:rPr lang="en-US" altLang="zh-CN" smtClean="0"/>
+              <a:rPr lang="en-US" altLang="zh-CN"/>
               <a:t>		      </a:t>
             </a:r>
             <a:r>
-              <a:rPr lang="zh-CN" altLang="en-US" smtClean="0"/>
+              <a:rPr lang="zh-CN" altLang="en-US"/>
               <a:t>的位置</a:t>
             </a:r>
             <a:endParaRPr lang="zh-CN" altLang="en-US" dirty="0"/>
@@ -16318,10 +16153,9 @@
           <a:lstStyle/>
           <a:p>
             <a:r>
-              <a:rPr lang="zh-CN" altLang="en-US" dirty="0" smtClean="0"/>
+              <a:rPr lang="zh-CN" altLang="en-US" dirty="0"/>
               <a:t>熟悉的代码</a:t>
             </a:r>
-            <a:endParaRPr lang="zh-CN" altLang="en-US" dirty="0"/>
           </a:p>
         </p:txBody>
       </p:sp>
@@ -16352,11 +16186,11 @@
               <a:t> </a:t>
             </a:r>
             <a:r>
-              <a:rPr lang="en-US" altLang="zh-CN" dirty="0" err="1" smtClean="0"/>
+              <a:rPr lang="en-US" altLang="zh-CN" dirty="0" err="1"/>
               <a:t>fac</a:t>
             </a:r>
             <a:r>
-              <a:rPr lang="en-US" altLang="zh-CN" dirty="0" smtClean="0"/>
+              <a:rPr lang="en-US" altLang="zh-CN" dirty="0"/>
               <a:t> (</a:t>
             </a:r>
             <a:r>
@@ -16382,12 +16216,8 @@
               <a:buNone/>
             </a:pPr>
             <a:r>
-              <a:rPr lang="en-US" altLang="zh-CN" dirty="0" smtClean="0"/>
-              <a:t>	if </a:t>
-            </a:r>
-            <a:r>
               <a:rPr lang="en-US" altLang="zh-CN" dirty="0"/>
-              <a:t>(n == 1)</a:t>
+              <a:t>	if (n == 1)</a:t>
             </a:r>
           </a:p>
           <a:p>
@@ -16395,16 +16225,8 @@
               <a:buNone/>
             </a:pPr>
             <a:r>
-              <a:rPr lang="en-US" altLang="zh-CN" dirty="0" smtClean="0"/>
-              <a:t>		return </a:t>
-            </a:r>
-            <a:r>
               <a:rPr lang="en-US" altLang="zh-CN" dirty="0"/>
-              <a:t>1</a:t>
-            </a:r>
-            <a:r>
-              <a:rPr lang="en-US" altLang="zh-CN" dirty="0" smtClean="0"/>
-              <a:t>;</a:t>
+              <a:t>		return 1;</a:t>
             </a:r>
             <a:endParaRPr lang="zh-CN" altLang="en-US" dirty="0"/>
           </a:p>
@@ -16413,20 +16235,16 @@
               <a:buNone/>
             </a:pPr>
             <a:r>
-              <a:rPr lang="en-US" altLang="zh-CN" dirty="0" smtClean="0"/>
+              <a:rPr lang="en-US" altLang="zh-CN" dirty="0"/>
               <a:t>	return </a:t>
             </a:r>
             <a:r>
-              <a:rPr lang="en-US" altLang="zh-CN" dirty="0" err="1" smtClean="0"/>
+              <a:rPr lang="en-US" altLang="zh-CN" dirty="0" err="1"/>
               <a:t>fac</a:t>
             </a:r>
             <a:r>
-              <a:rPr lang="en-US" altLang="zh-CN" dirty="0" smtClean="0"/>
-              <a:t> (</a:t>
-            </a:r>
-            <a:r>
               <a:rPr lang="en-US" altLang="zh-CN" dirty="0"/>
-              <a:t>n - 1) * n;</a:t>
+              <a:t> (n - 1) * n;</a:t>
             </a:r>
           </a:p>
           <a:p>
@@ -16487,10 +16305,9 @@
           <a:lstStyle/>
           <a:p>
             <a:r>
-              <a:rPr lang="zh-CN" altLang="en-US" dirty="0" smtClean="0"/>
+              <a:rPr lang="zh-CN" altLang="en-US" dirty="0"/>
               <a:t>递归与栈的关系</a:t>
             </a:r>
-            <a:endParaRPr lang="zh-CN" altLang="en-US" dirty="0"/>
           </a:p>
         </p:txBody>
       </p:sp>
@@ -16510,17 +16327,16 @@
           <a:lstStyle/>
           <a:p>
             <a:r>
-              <a:rPr lang="zh-CN" altLang="en-US" dirty="0" smtClean="0"/>
+              <a:rPr lang="zh-CN" altLang="en-US" dirty="0"/>
               <a:t>调用下一层时，先保存现场</a:t>
             </a:r>
-            <a:endParaRPr lang="en-US" altLang="zh-CN" dirty="0" smtClean="0"/>
-          </a:p>
-          <a:p>
-            <a:r>
-              <a:rPr lang="zh-CN" altLang="en-US" dirty="0" smtClean="0"/>
+            <a:endParaRPr lang="en-US" altLang="zh-CN" dirty="0"/>
+          </a:p>
+          <a:p>
+            <a:r>
+              <a:rPr lang="zh-CN" altLang="en-US" dirty="0"/>
               <a:t>返回后回到上一次的现场</a:t>
             </a:r>
-            <a:endParaRPr lang="zh-CN" altLang="en-US" dirty="0"/>
           </a:p>
         </p:txBody>
       </p:sp>
@@ -16570,10 +16386,9 @@
           <a:lstStyle/>
           <a:p>
             <a:r>
-              <a:rPr lang="zh-CN" altLang="en-US" dirty="0" smtClean="0"/>
+              <a:rPr lang="zh-CN" altLang="en-US" dirty="0"/>
               <a:t>内存泄漏</a:t>
             </a:r>
-            <a:endParaRPr lang="zh-CN" altLang="en-US" dirty="0"/>
           </a:p>
         </p:txBody>
       </p:sp>
@@ -16593,17 +16408,17 @@
           <a:lstStyle/>
           <a:p>
             <a:r>
-              <a:rPr lang="zh-CN" altLang="en-US" dirty="0" smtClean="0"/>
+              <a:rPr lang="zh-CN" altLang="en-US" dirty="0"/>
               <a:t>内存泄漏是申请的内存没有释放导致</a:t>
             </a:r>
             <a:endParaRPr lang="en-US" altLang="zh-CN" dirty="0"/>
           </a:p>
           <a:p>
             <a:r>
-              <a:rPr lang="zh-CN" altLang="en-US" dirty="0" smtClean="0"/>
+              <a:rPr lang="zh-CN" altLang="en-US" dirty="0"/>
               <a:t>已经释放的内存，再次释放</a:t>
             </a:r>
-            <a:endParaRPr lang="en-US" altLang="zh-CN" dirty="0" smtClean="0"/>
+            <a:endParaRPr lang="en-US" altLang="zh-CN" dirty="0"/>
           </a:p>
           <a:p>
             <a:endParaRPr lang="zh-CN" altLang="en-US" dirty="0"/>
@@ -16656,10 +16471,9 @@
           <a:lstStyle/>
           <a:p>
             <a:r>
-              <a:rPr lang="zh-CN" altLang="en-US" dirty="0" smtClean="0"/>
+              <a:rPr lang="zh-CN" altLang="en-US" dirty="0"/>
               <a:t>避免泄漏？</a:t>
             </a:r>
-            <a:endParaRPr lang="zh-CN" altLang="en-US" dirty="0"/>
           </a:p>
         </p:txBody>
       </p:sp>
@@ -16679,25 +16493,24 @@
           <a:lstStyle/>
           <a:p>
             <a:r>
-              <a:rPr lang="zh-CN" altLang="en-US" dirty="0" smtClean="0"/>
+              <a:rPr lang="zh-CN" altLang="en-US" dirty="0"/>
               <a:t>有借有还</a:t>
             </a:r>
-            <a:endParaRPr lang="en-US" altLang="zh-CN" dirty="0" smtClean="0"/>
-          </a:p>
-          <a:p>
-            <a:r>
-              <a:rPr lang="zh-CN" altLang="en-US" dirty="0" smtClean="0"/>
+            <a:endParaRPr lang="en-US" altLang="zh-CN" dirty="0"/>
+          </a:p>
+          <a:p>
+            <a:r>
+              <a:rPr lang="zh-CN" altLang="en-US" dirty="0"/>
               <a:t>是不是可以自动归还？</a:t>
             </a:r>
-            <a:endParaRPr lang="en-US" altLang="zh-CN" dirty="0" smtClean="0"/>
+            <a:endParaRPr lang="en-US" altLang="zh-CN" dirty="0"/>
           </a:p>
           <a:p>
             <a:pPr lvl="1"/>
             <a:r>
-              <a:rPr lang="zh-CN" altLang="en-US" dirty="0" smtClean="0"/>
+              <a:rPr lang="zh-CN" altLang="en-US" dirty="0"/>
               <a:t>设计什么样的结构，什么时候归还？</a:t>
             </a:r>
-            <a:endParaRPr lang="zh-CN" altLang="en-US" dirty="0"/>
           </a:p>
         </p:txBody>
       </p:sp>
@@ -16747,10 +16560,9 @@
           <a:lstStyle/>
           <a:p>
             <a:r>
-              <a:rPr lang="zh-CN" altLang="en-US" dirty="0" smtClean="0"/>
+              <a:rPr lang="zh-CN" altLang="en-US" dirty="0"/>
               <a:t>检测泄漏</a:t>
             </a:r>
-            <a:endParaRPr lang="zh-CN" altLang="en-US" dirty="0"/>
           </a:p>
         </p:txBody>
       </p:sp>
@@ -16771,11 +16583,7 @@
           <a:p>
             <a:r>
               <a:rPr lang="zh-CN" altLang="en-US" dirty="0"/>
-              <a:t>怎么检测内存泄漏</a:t>
-            </a:r>
-            <a:r>
-              <a:rPr lang="zh-CN" altLang="en-US" dirty="0" smtClean="0"/>
-              <a:t>？</a:t>
+              <a:t>怎么检测内存泄漏？</a:t>
             </a:r>
             <a:endParaRPr lang="en-US" altLang="zh-CN" dirty="0"/>
           </a:p>
@@ -16830,10 +16638,9 @@
           <a:lstStyle/>
           <a:p>
             <a:r>
-              <a:rPr lang="zh-CN" altLang="en-US" dirty="0" smtClean="0"/>
+              <a:rPr lang="zh-CN" altLang="en-US" dirty="0"/>
               <a:t>内存对齐</a:t>
             </a:r>
-            <a:endParaRPr lang="zh-CN" altLang="en-US" dirty="0"/>
           </a:p>
         </p:txBody>
       </p:sp>
@@ -16853,23 +16660,22 @@
           <a:lstStyle/>
           <a:p>
             <a:r>
-              <a:rPr lang="en-US" altLang="zh-CN" dirty="0" smtClean="0"/>
+              <a:rPr lang="en-US" altLang="zh-CN" dirty="0"/>
               <a:t>C/C++</a:t>
             </a:r>
           </a:p>
           <a:p>
             <a:r>
-              <a:rPr lang="zh-CN" altLang="en-US" dirty="0" smtClean="0"/>
+              <a:rPr lang="zh-CN" altLang="en-US" dirty="0"/>
               <a:t>数据在内存中怎么排放？</a:t>
             </a:r>
-            <a:endParaRPr lang="en-US" altLang="zh-CN" dirty="0" smtClean="0"/>
-          </a:p>
-          <a:p>
-            <a:r>
-              <a:rPr lang="zh-CN" altLang="en-US" dirty="0" smtClean="0"/>
+            <a:endParaRPr lang="en-US" altLang="zh-CN" dirty="0"/>
+          </a:p>
+          <a:p>
+            <a:r>
+              <a:rPr lang="zh-CN" altLang="en-US" dirty="0"/>
               <a:t>怎么排放有什么关系吗？</a:t>
             </a:r>
-            <a:endParaRPr lang="zh-CN" altLang="en-US" dirty="0"/>
           </a:p>
         </p:txBody>
       </p:sp>
@@ -16927,7 +16733,7 @@
               <a:buNone/>
             </a:pPr>
             <a:r>
-              <a:rPr lang="en-US" altLang="zh-CN" sz="5400" dirty="0" smtClean="0"/>
+              <a:rPr lang="en-US" altLang="zh-CN" sz="5400" dirty="0"/>
               <a:t>Q &amp; A</a:t>
             </a:r>
             <a:endParaRPr lang="zh-CN" altLang="en-US" sz="5400" dirty="0"/>
@@ -16944,13 +16750,6 @@
   <p:clrMapOvr>
     <a:masterClrMapping/>
   </p:clrMapOvr>
-  <p:timing>
-    <p:tnLst>
-      <p:par>
-        <p:cTn id="1" dur="indefinite" restart="never" nodeType="tmRoot"/>
-      </p:par>
-    </p:tnLst>
-  </p:timing>
 </p:sld>
 </file>
 
@@ -16987,11 +16786,11 @@
           <a:lstStyle/>
           <a:p>
             <a:r>
-              <a:rPr lang="en-US" altLang="zh-CN" b="1" dirty="0" err="1" smtClean="0"/>
+              <a:rPr lang="en-US" altLang="zh-CN" b="1" dirty="0" err="1"/>
               <a:t>sizeof</a:t>
             </a:r>
             <a:r>
-              <a:rPr lang="en-US" altLang="zh-CN" b="1" dirty="0" smtClean="0"/>
+              <a:rPr lang="en-US" altLang="zh-CN" b="1" dirty="0"/>
               <a:t>()</a:t>
             </a:r>
             <a:endParaRPr lang="zh-CN" altLang="en-US" b="1" dirty="0"/>
@@ -17071,7 +16870,7 @@
           </a:p>
           <a:p>
             <a:r>
-              <a:rPr lang="en-US" altLang="zh-CN" sz="3200" dirty="0" smtClean="0">
+              <a:rPr lang="en-US" altLang="zh-CN" sz="3200" dirty="0">
                 <a:solidFill>
                   <a:srgbClr val="0000FF"/>
                 </a:solidFill>
@@ -17081,16 +16880,6 @@
               <a:t>	char</a:t>
             </a:r>
             <a:r>
-              <a:rPr lang="en-US" altLang="zh-CN" sz="3200" dirty="0" smtClean="0">
-                <a:solidFill>
-                  <a:srgbClr val="000000"/>
-                </a:solidFill>
-                <a:latin typeface="新宋体" panose="02010609030101010101" pitchFamily="49" charset="-122"/>
-                <a:ea typeface="新宋体" panose="02010609030101010101" pitchFamily="49" charset="-122"/>
-              </a:rPr>
-              <a:t> </a:t>
-            </a:r>
-            <a:r>
               <a:rPr lang="en-US" altLang="zh-CN" sz="3200" dirty="0">
                 <a:solidFill>
                   <a:srgbClr val="000000"/>
@@ -17098,12 +16887,12 @@
                 <a:latin typeface="新宋体" panose="02010609030101010101" pitchFamily="49" charset="-122"/>
                 <a:ea typeface="新宋体" panose="02010609030101010101" pitchFamily="49" charset="-122"/>
               </a:rPr>
-              <a:t>a;</a:t>
-            </a:r>
-          </a:p>
-          <a:p>
-            <a:r>
-              <a:rPr lang="en-US" altLang="zh-CN" sz="3200" dirty="0" smtClean="0">
+              <a:t> a;</a:t>
+            </a:r>
+          </a:p>
+          <a:p>
+            <a:r>
+              <a:rPr lang="en-US" altLang="zh-CN" sz="3200" dirty="0">
                 <a:solidFill>
                   <a:srgbClr val="0000FF"/>
                 </a:solidFill>
@@ -17113,16 +16902,6 @@
               <a:t>	char</a:t>
             </a:r>
             <a:r>
-              <a:rPr lang="en-US" altLang="zh-CN" sz="3200" dirty="0" smtClean="0">
-                <a:solidFill>
-                  <a:srgbClr val="000000"/>
-                </a:solidFill>
-                <a:latin typeface="新宋体" panose="02010609030101010101" pitchFamily="49" charset="-122"/>
-                <a:ea typeface="新宋体" panose="02010609030101010101" pitchFamily="49" charset="-122"/>
-              </a:rPr>
-              <a:t> </a:t>
-            </a:r>
-            <a:r>
               <a:rPr lang="en-US" altLang="zh-CN" sz="3200" dirty="0">
                 <a:solidFill>
                   <a:srgbClr val="000000"/>
@@ -17130,12 +16909,12 @@
                 <a:latin typeface="新宋体" panose="02010609030101010101" pitchFamily="49" charset="-122"/>
                 <a:ea typeface="新宋体" panose="02010609030101010101" pitchFamily="49" charset="-122"/>
               </a:rPr>
-              <a:t>b;</a:t>
-            </a:r>
-          </a:p>
-          <a:p>
-            <a:r>
-              <a:rPr lang="en-US" altLang="zh-CN" sz="3200" dirty="0" smtClean="0">
+              <a:t> b;</a:t>
+            </a:r>
+          </a:p>
+          <a:p>
+            <a:r>
+              <a:rPr lang="en-US" altLang="zh-CN" sz="3200" dirty="0">
                 <a:solidFill>
                   <a:srgbClr val="0000FF"/>
                 </a:solidFill>
@@ -17145,7 +16924,7 @@
               <a:t>	</a:t>
             </a:r>
             <a:r>
-              <a:rPr lang="en-US" altLang="zh-CN" sz="3200" dirty="0" err="1" smtClean="0">
+              <a:rPr lang="en-US" altLang="zh-CN" sz="3200" dirty="0" err="1">
                 <a:solidFill>
                   <a:srgbClr val="0000FF"/>
                 </a:solidFill>
@@ -17155,7 +16934,7 @@
               <a:t>int</a:t>
             </a:r>
             <a:r>
-              <a:rPr lang="en-US" altLang="zh-CN" sz="3200" dirty="0" smtClean="0">
+              <a:rPr lang="en-US" altLang="zh-CN" sz="3200" dirty="0">
                 <a:solidFill>
                   <a:srgbClr val="000000"/>
                 </a:solidFill>
@@ -17281,7 +17060,7 @@
           </a:p>
           <a:p>
             <a:r>
-              <a:rPr lang="en-US" altLang="zh-CN" sz="3200" dirty="0" smtClean="0">
+              <a:rPr lang="en-US" altLang="zh-CN" sz="3200" dirty="0">
                 <a:solidFill>
                   <a:srgbClr val="0000FF"/>
                 </a:solidFill>
@@ -17291,16 +17070,6 @@
               <a:t>	char</a:t>
             </a:r>
             <a:r>
-              <a:rPr lang="en-US" altLang="zh-CN" sz="3200" dirty="0" smtClean="0">
-                <a:solidFill>
-                  <a:srgbClr val="000000"/>
-                </a:solidFill>
-                <a:latin typeface="新宋体" panose="02010609030101010101" pitchFamily="49" charset="-122"/>
-                <a:ea typeface="新宋体" panose="02010609030101010101" pitchFamily="49" charset="-122"/>
-              </a:rPr>
-              <a:t> </a:t>
-            </a:r>
-            <a:r>
               <a:rPr lang="en-US" altLang="zh-CN" sz="3200" dirty="0">
                 <a:solidFill>
                   <a:srgbClr val="000000"/>
@@ -17308,12 +17077,12 @@
                 <a:latin typeface="新宋体" panose="02010609030101010101" pitchFamily="49" charset="-122"/>
                 <a:ea typeface="新宋体" panose="02010609030101010101" pitchFamily="49" charset="-122"/>
               </a:rPr>
-              <a:t>a;</a:t>
-            </a:r>
-          </a:p>
-          <a:p>
-            <a:r>
-              <a:rPr lang="en-US" altLang="zh-CN" sz="3200" dirty="0" smtClean="0">
+              <a:t> a;</a:t>
+            </a:r>
+          </a:p>
+          <a:p>
+            <a:r>
+              <a:rPr lang="en-US" altLang="zh-CN" sz="3200" dirty="0">
                 <a:solidFill>
                   <a:srgbClr val="0000FF"/>
                 </a:solidFill>
@@ -17323,7 +17092,7 @@
               <a:t>	</a:t>
             </a:r>
             <a:r>
-              <a:rPr lang="en-US" altLang="zh-CN" sz="3200" dirty="0" err="1" smtClean="0">
+              <a:rPr lang="en-US" altLang="zh-CN" sz="3200" dirty="0" err="1">
                 <a:solidFill>
                   <a:srgbClr val="0000FF"/>
                 </a:solidFill>
@@ -17333,7 +17102,7 @@
               <a:t>int</a:t>
             </a:r>
             <a:r>
-              <a:rPr lang="en-US" altLang="zh-CN" sz="3200" dirty="0" smtClean="0">
+              <a:rPr lang="en-US" altLang="zh-CN" sz="3200" dirty="0">
                 <a:solidFill>
                   <a:srgbClr val="000000"/>
                 </a:solidFill>
@@ -17365,7 +17134,7 @@
           </a:p>
           <a:p>
             <a:r>
-              <a:rPr lang="en-US" altLang="zh-CN" sz="3200" dirty="0" smtClean="0">
+              <a:rPr lang="en-US" altLang="zh-CN" sz="3200" dirty="0">
                 <a:solidFill>
                   <a:srgbClr val="0000FF"/>
                 </a:solidFill>
@@ -17375,16 +17144,6 @@
               <a:t>	char</a:t>
             </a:r>
             <a:r>
-              <a:rPr lang="en-US" altLang="zh-CN" sz="3200" dirty="0" smtClean="0">
-                <a:solidFill>
-                  <a:srgbClr val="000000"/>
-                </a:solidFill>
-                <a:latin typeface="新宋体" panose="02010609030101010101" pitchFamily="49" charset="-122"/>
-                <a:ea typeface="新宋体" panose="02010609030101010101" pitchFamily="49" charset="-122"/>
-              </a:rPr>
-              <a:t> </a:t>
-            </a:r>
-            <a:r>
               <a:rPr lang="en-US" altLang="zh-CN" sz="3200" dirty="0">
                 <a:solidFill>
                   <a:srgbClr val="000000"/>
@@ -17392,7 +17151,7 @@
                 <a:latin typeface="新宋体" panose="02010609030101010101" pitchFamily="49" charset="-122"/>
                 <a:ea typeface="新宋体" panose="02010609030101010101" pitchFamily="49" charset="-122"/>
               </a:rPr>
-              <a:t>b;</a:t>
+              <a:t> b;</a:t>
             </a:r>
           </a:p>
           <a:p>
@@ -17456,7 +17215,7 @@
           <a:lstStyle/>
           <a:p>
             <a:r>
-              <a:rPr lang="en-US" altLang="zh-CN" dirty="0" smtClean="0"/>
+              <a:rPr lang="en-US" altLang="zh-CN" dirty="0"/>
               <a:t>CCI</a:t>
             </a:r>
             <a:endParaRPr lang="zh-CN" altLang="en-US" dirty="0"/>
@@ -17479,10 +17238,9 @@
           <a:lstStyle/>
           <a:p>
             <a:r>
-              <a:rPr lang="zh-CN" altLang="en-US" dirty="0" smtClean="0"/>
+              <a:rPr lang="zh-CN" altLang="en-US" dirty="0"/>
               <a:t>大小是否相同？</a:t>
             </a:r>
-            <a:endParaRPr lang="zh-CN" altLang="en-US" dirty="0"/>
           </a:p>
         </p:txBody>
       </p:sp>
@@ -17564,10 +17322,9 @@
               <a:p>
                 <a:pPr algn="ctr"/>
                 <a:r>
-                  <a:rPr lang="en-US" altLang="zh-CN" dirty="0" smtClean="0"/>
+                  <a:rPr lang="en-US" altLang="zh-CN" dirty="0"/>
                   <a:t>2n+1</a:t>
                 </a:r>
-                <a:endParaRPr lang="en-US" altLang="zh-CN" dirty="0"/>
               </a:p>
             </p:txBody>
           </p:sp>
@@ -17617,10 +17374,9 @@
               <a:p>
                 <a:pPr algn="ctr"/>
                 <a:r>
-                  <a:rPr lang="en-US" altLang="zh-CN" dirty="0" smtClean="0"/>
+                  <a:rPr lang="en-US" altLang="zh-CN" dirty="0"/>
                   <a:t>2n</a:t>
                 </a:r>
-                <a:endParaRPr lang="en-US" altLang="zh-CN" dirty="0"/>
               </a:p>
             </p:txBody>
           </p:sp>
@@ -18059,10 +17815,9 @@
                 <a:p>
                   <a:pPr algn="ctr"/>
                   <a:r>
-                    <a:rPr lang="en-US" altLang="zh-CN" dirty="0" smtClean="0"/>
+                    <a:rPr lang="en-US" altLang="zh-CN" dirty="0"/>
                     <a:t>5</a:t>
                   </a:r>
-                  <a:endParaRPr lang="en-US" altLang="zh-CN" dirty="0"/>
                 </a:p>
               </p:txBody>
             </p:sp>
@@ -18112,10 +17867,9 @@
                 <a:p>
                   <a:pPr algn="ctr"/>
                   <a:r>
-                    <a:rPr lang="en-US" altLang="zh-CN" dirty="0" smtClean="0"/>
+                    <a:rPr lang="en-US" altLang="zh-CN" dirty="0"/>
                     <a:t>4</a:t>
                   </a:r>
-                  <a:endParaRPr lang="en-US" altLang="zh-CN" dirty="0"/>
                 </a:p>
               </p:txBody>
             </p:sp>
@@ -18197,10 +17951,9 @@
                 <a:p>
                   <a:pPr algn="ctr"/>
                   <a:r>
-                    <a:rPr lang="en-US" altLang="zh-CN" dirty="0" smtClean="0"/>
+                    <a:rPr lang="en-US" altLang="zh-CN" dirty="0"/>
                     <a:t>char</a:t>
                   </a:r>
-                  <a:endParaRPr lang="en-US" altLang="zh-CN" dirty="0"/>
                 </a:p>
               </p:txBody>
             </p:sp>
@@ -18250,10 +18003,9 @@
                 <a:p>
                   <a:pPr algn="ctr"/>
                   <a:r>
-                    <a:rPr lang="en-US" altLang="zh-CN" dirty="0" smtClean="0"/>
+                    <a:rPr lang="en-US" altLang="zh-CN" dirty="0"/>
                     <a:t>char</a:t>
                   </a:r>
-                  <a:endParaRPr lang="en-US" altLang="zh-CN" dirty="0"/>
                 </a:p>
               </p:txBody>
             </p:sp>
@@ -18319,10 +18071,9 @@
                 <a:p>
                   <a:pPr algn="ctr"/>
                   <a:r>
-                    <a:rPr lang="en-US" altLang="zh-CN" dirty="0" smtClean="0"/>
+                    <a:rPr lang="en-US" altLang="zh-CN" dirty="0"/>
                     <a:t>1</a:t>
                   </a:r>
-                  <a:endParaRPr lang="en-US" altLang="zh-CN" dirty="0"/>
                 </a:p>
               </p:txBody>
             </p:sp>
@@ -18370,10 +18121,9 @@
                 <a:p>
                   <a:pPr algn="ctr"/>
                   <a:r>
-                    <a:rPr lang="en-US" altLang="zh-CN" dirty="0" smtClean="0"/>
+                    <a:rPr lang="en-US" altLang="zh-CN" dirty="0"/>
                     <a:t>0</a:t>
                   </a:r>
-                  <a:endParaRPr lang="en-US" altLang="zh-CN" dirty="0"/>
                 </a:p>
               </p:txBody>
             </p:sp>
@@ -18458,10 +18208,9 @@
               <a:p>
                 <a:pPr algn="ctr"/>
                 <a:r>
-                  <a:rPr lang="en-US" altLang="zh-CN" dirty="0" smtClean="0"/>
+                  <a:rPr lang="en-US" altLang="zh-CN" dirty="0"/>
                   <a:t>2n+1</a:t>
                 </a:r>
-                <a:endParaRPr lang="en-US" altLang="zh-CN" dirty="0"/>
               </a:p>
             </p:txBody>
           </p:sp>
@@ -18511,10 +18260,9 @@
               <a:p>
                 <a:pPr algn="ctr"/>
                 <a:r>
-                  <a:rPr lang="en-US" altLang="zh-CN" dirty="0" smtClean="0"/>
+                  <a:rPr lang="en-US" altLang="zh-CN" dirty="0"/>
                   <a:t>2n</a:t>
                 </a:r>
-                <a:endParaRPr lang="en-US" altLang="zh-CN" dirty="0"/>
               </a:p>
             </p:txBody>
           </p:sp>
@@ -18953,10 +18701,9 @@
                 <a:p>
                   <a:pPr algn="ctr"/>
                   <a:r>
-                    <a:rPr lang="en-US" altLang="zh-CN" dirty="0" smtClean="0"/>
+                    <a:rPr lang="en-US" altLang="zh-CN" dirty="0"/>
                     <a:t>5</a:t>
                   </a:r>
-                  <a:endParaRPr lang="en-US" altLang="zh-CN" dirty="0"/>
                 </a:p>
               </p:txBody>
             </p:sp>
@@ -19006,10 +18753,9 @@
                 <a:p>
                   <a:pPr algn="ctr"/>
                   <a:r>
-                    <a:rPr lang="en-US" altLang="zh-CN" dirty="0" smtClean="0"/>
+                    <a:rPr lang="en-US" altLang="zh-CN" dirty="0"/>
                     <a:t>char</a:t>
                   </a:r>
-                  <a:endParaRPr lang="en-US" altLang="zh-CN" dirty="0"/>
                 </a:p>
               </p:txBody>
             </p:sp>
@@ -19091,10 +18837,9 @@
                 <a:p>
                   <a:pPr algn="ctr"/>
                   <a:r>
-                    <a:rPr lang="en-US" altLang="zh-CN" dirty="0" smtClean="0"/>
+                    <a:rPr lang="en-US" altLang="zh-CN" dirty="0"/>
                     <a:t>3</a:t>
                   </a:r>
-                  <a:endParaRPr lang="en-US" altLang="zh-CN" dirty="0"/>
                 </a:p>
               </p:txBody>
             </p:sp>
@@ -19144,10 +18889,9 @@
                 <a:p>
                   <a:pPr algn="ctr"/>
                   <a:r>
-                    <a:rPr lang="en-US" altLang="zh-CN" dirty="0" smtClean="0"/>
+                    <a:rPr lang="en-US" altLang="zh-CN" dirty="0"/>
                     <a:t>char</a:t>
                   </a:r>
-                  <a:endParaRPr lang="en-US" altLang="zh-CN" dirty="0"/>
                 </a:p>
               </p:txBody>
             </p:sp>
@@ -19213,10 +18957,9 @@
                 <a:p>
                   <a:pPr algn="ctr"/>
                   <a:r>
-                    <a:rPr lang="en-US" altLang="zh-CN" dirty="0" smtClean="0"/>
+                    <a:rPr lang="en-US" altLang="zh-CN" dirty="0"/>
                     <a:t>1</a:t>
                   </a:r>
-                  <a:endParaRPr lang="en-US" altLang="zh-CN" dirty="0"/>
                 </a:p>
               </p:txBody>
             </p:sp>
@@ -19264,10 +19007,9 @@
                 <a:p>
                   <a:pPr algn="ctr"/>
                   <a:r>
-                    <a:rPr lang="en-US" altLang="zh-CN" dirty="0" smtClean="0"/>
+                    <a:rPr lang="en-US" altLang="zh-CN" dirty="0"/>
                     <a:t>0</a:t>
                   </a:r>
-                  <a:endParaRPr lang="en-US" altLang="zh-CN" dirty="0"/>
                 </a:p>
               </p:txBody>
             </p:sp>
@@ -19320,10 +19062,9 @@
           <a:lstStyle/>
           <a:p>
             <a:r>
-              <a:rPr lang="zh-CN" altLang="en-US" dirty="0" smtClean="0"/>
+              <a:rPr lang="zh-CN" altLang="en-US" dirty="0"/>
               <a:t>规则的建立</a:t>
             </a:r>
-            <a:endParaRPr lang="zh-CN" altLang="en-US" dirty="0"/>
           </a:p>
         </p:txBody>
       </p:sp>
@@ -19348,17 +19089,16 @@
           <a:lstStyle/>
           <a:p>
             <a:r>
-              <a:rPr lang="zh-CN" altLang="en-US" dirty="0" smtClean="0"/>
+              <a:rPr lang="zh-CN" altLang="en-US" dirty="0"/>
               <a:t>定义一种读取规则</a:t>
             </a:r>
-            <a:endParaRPr lang="en-US" altLang="zh-CN" dirty="0" smtClean="0"/>
-          </a:p>
-          <a:p>
-            <a:r>
-              <a:rPr lang="zh-CN" altLang="en-US" dirty="0" smtClean="0"/>
+            <a:endParaRPr lang="en-US" altLang="zh-CN" dirty="0"/>
+          </a:p>
+          <a:p>
+            <a:r>
+              <a:rPr lang="zh-CN" altLang="en-US" dirty="0"/>
               <a:t>定义一种读取规则</a:t>
             </a:r>
-            <a:endParaRPr lang="zh-CN" altLang="en-US" dirty="0"/>
           </a:p>
         </p:txBody>
       </p:sp>
@@ -19440,10 +19180,9 @@
               <a:p>
                 <a:pPr algn="ctr"/>
                 <a:r>
-                  <a:rPr lang="en-US" altLang="zh-CN" dirty="0" smtClean="0"/>
+                  <a:rPr lang="en-US" altLang="zh-CN" dirty="0"/>
                   <a:t>2n+1</a:t>
                 </a:r>
-                <a:endParaRPr lang="en-US" altLang="zh-CN" dirty="0"/>
               </a:p>
             </p:txBody>
           </p:sp>
@@ -19493,10 +19232,9 @@
               <a:p>
                 <a:pPr algn="ctr"/>
                 <a:r>
-                  <a:rPr lang="en-US" altLang="zh-CN" dirty="0" smtClean="0"/>
+                  <a:rPr lang="en-US" altLang="zh-CN" dirty="0"/>
                   <a:t>2n</a:t>
                 </a:r>
-                <a:endParaRPr lang="en-US" altLang="zh-CN" dirty="0"/>
               </a:p>
             </p:txBody>
           </p:sp>
@@ -19935,10 +19673,9 @@
                 <a:p>
                   <a:pPr algn="ctr"/>
                   <a:r>
-                    <a:rPr lang="en-US" altLang="zh-CN" dirty="0" smtClean="0"/>
+                    <a:rPr lang="en-US" altLang="zh-CN" dirty="0"/>
                     <a:t>5</a:t>
                   </a:r>
-                  <a:endParaRPr lang="en-US" altLang="zh-CN" dirty="0"/>
                 </a:p>
               </p:txBody>
             </p:sp>
@@ -19988,10 +19725,9 @@
                 <a:p>
                   <a:pPr algn="ctr"/>
                   <a:r>
-                    <a:rPr lang="en-US" altLang="zh-CN" dirty="0" smtClean="0"/>
+                    <a:rPr lang="en-US" altLang="zh-CN" dirty="0"/>
                     <a:t>4</a:t>
                   </a:r>
-                  <a:endParaRPr lang="en-US" altLang="zh-CN" dirty="0"/>
                 </a:p>
               </p:txBody>
             </p:sp>
@@ -20073,10 +19809,9 @@
                 <a:p>
                   <a:pPr algn="ctr"/>
                   <a:r>
-                    <a:rPr lang="en-US" altLang="zh-CN" dirty="0" smtClean="0"/>
+                    <a:rPr lang="en-US" altLang="zh-CN" dirty="0"/>
                     <a:t>3</a:t>
                   </a:r>
-                  <a:endParaRPr lang="en-US" altLang="zh-CN" dirty="0"/>
                 </a:p>
               </p:txBody>
             </p:sp>
@@ -20126,10 +19861,9 @@
                 <a:p>
                   <a:pPr algn="ctr"/>
                   <a:r>
-                    <a:rPr lang="en-US" altLang="zh-CN" dirty="0" smtClean="0"/>
+                    <a:rPr lang="en-US" altLang="zh-CN" dirty="0"/>
                     <a:t>2</a:t>
                   </a:r>
-                  <a:endParaRPr lang="en-US" altLang="zh-CN" dirty="0"/>
                 </a:p>
               </p:txBody>
             </p:sp>
@@ -20195,10 +19929,9 @@
                 <a:p>
                   <a:pPr algn="ctr"/>
                   <a:r>
-                    <a:rPr lang="en-US" altLang="zh-CN" dirty="0" smtClean="0"/>
+                    <a:rPr lang="en-US" altLang="zh-CN" dirty="0"/>
                     <a:t>1</a:t>
                   </a:r>
-                  <a:endParaRPr lang="en-US" altLang="zh-CN" dirty="0"/>
                 </a:p>
               </p:txBody>
             </p:sp>
@@ -20246,10 +19979,9 @@
                 <a:p>
                   <a:pPr algn="ctr"/>
                   <a:r>
-                    <a:rPr lang="en-US" altLang="zh-CN" dirty="0" smtClean="0"/>
+                    <a:rPr lang="en-US" altLang="zh-CN" dirty="0"/>
                     <a:t>0</a:t>
                   </a:r>
-                  <a:endParaRPr lang="en-US" altLang="zh-CN" dirty="0"/>
                 </a:p>
               </p:txBody>
             </p:sp>
@@ -20298,7 +20030,6 @@
               <a:tailEnd/>
             </a:ln>
             <a:effectLst/>
-            <a:extLst/>
           </p:spPr>
           <p:txBody>
             <a:bodyPr wrap="none" anchor="ctr"/>
@@ -20337,7 +20068,6 @@
               <a:tailEnd/>
             </a:ln>
             <a:effectLst/>
-            <a:extLst/>
           </p:spPr>
           <p:txBody>
             <a:bodyPr wrap="none" anchor="ctr"/>
@@ -20463,10 +20193,9 @@
               <a:p>
                 <a:pPr algn="ctr"/>
                 <a:r>
-                  <a:rPr lang="en-US" altLang="zh-CN" dirty="0" smtClean="0"/>
+                  <a:rPr lang="en-US" altLang="zh-CN" dirty="0"/>
                   <a:t>2n+1</a:t>
                 </a:r>
-                <a:endParaRPr lang="en-US" altLang="zh-CN" dirty="0"/>
               </a:p>
             </p:txBody>
           </p:sp>
@@ -20516,10 +20245,9 @@
               <a:p>
                 <a:pPr algn="ctr"/>
                 <a:r>
-                  <a:rPr lang="en-US" altLang="zh-CN" dirty="0" smtClean="0"/>
+                  <a:rPr lang="en-US" altLang="zh-CN" dirty="0"/>
                   <a:t>2n</a:t>
                 </a:r>
-                <a:endParaRPr lang="en-US" altLang="zh-CN" dirty="0"/>
               </a:p>
             </p:txBody>
           </p:sp>
@@ -20958,10 +20686,9 @@
                 <a:p>
                   <a:pPr algn="ctr"/>
                   <a:r>
-                    <a:rPr lang="en-US" altLang="zh-CN" dirty="0" smtClean="0"/>
+                    <a:rPr lang="en-US" altLang="zh-CN" dirty="0"/>
                     <a:t>5</a:t>
                   </a:r>
-                  <a:endParaRPr lang="en-US" altLang="zh-CN" dirty="0"/>
                 </a:p>
               </p:txBody>
             </p:sp>
@@ -21011,10 +20738,9 @@
                 <a:p>
                   <a:pPr algn="ctr"/>
                   <a:r>
-                    <a:rPr lang="en-US" altLang="zh-CN" dirty="0" smtClean="0"/>
+                    <a:rPr lang="en-US" altLang="zh-CN" dirty="0"/>
                     <a:t>4</a:t>
                   </a:r>
-                  <a:endParaRPr lang="en-US" altLang="zh-CN" dirty="0"/>
                 </a:p>
               </p:txBody>
             </p:sp>
@@ -21096,10 +20822,9 @@
                 <a:p>
                   <a:pPr algn="ctr"/>
                   <a:r>
-                    <a:rPr lang="en-US" altLang="zh-CN" dirty="0" smtClean="0"/>
+                    <a:rPr lang="en-US" altLang="zh-CN" dirty="0"/>
                     <a:t>3</a:t>
                   </a:r>
-                  <a:endParaRPr lang="en-US" altLang="zh-CN" dirty="0"/>
                 </a:p>
               </p:txBody>
             </p:sp>
@@ -21149,10 +20874,9 @@
                 <a:p>
                   <a:pPr algn="ctr"/>
                   <a:r>
-                    <a:rPr lang="en-US" altLang="zh-CN" dirty="0" smtClean="0"/>
+                    <a:rPr lang="en-US" altLang="zh-CN" dirty="0"/>
                     <a:t>2</a:t>
                   </a:r>
-                  <a:endParaRPr lang="en-US" altLang="zh-CN" dirty="0"/>
                 </a:p>
               </p:txBody>
             </p:sp>
@@ -21218,10 +20942,9 @@
                 <a:p>
                   <a:pPr algn="ctr"/>
                   <a:r>
-                    <a:rPr lang="en-US" altLang="zh-CN" dirty="0" smtClean="0"/>
+                    <a:rPr lang="en-US" altLang="zh-CN" dirty="0"/>
                     <a:t>1</a:t>
                   </a:r>
-                  <a:endParaRPr lang="en-US" altLang="zh-CN" dirty="0"/>
                 </a:p>
               </p:txBody>
             </p:sp>
@@ -21269,10 +20992,9 @@
                 <a:p>
                   <a:pPr algn="ctr"/>
                   <a:r>
-                    <a:rPr lang="en-US" altLang="zh-CN" dirty="0" smtClean="0"/>
+                    <a:rPr lang="en-US" altLang="zh-CN" dirty="0"/>
                     <a:t>0</a:t>
                   </a:r>
-                  <a:endParaRPr lang="en-US" altLang="zh-CN" dirty="0"/>
                 </a:p>
               </p:txBody>
             </p:sp>
@@ -21325,10 +21047,9 @@
           <a:lstStyle/>
           <a:p>
             <a:r>
-              <a:rPr lang="zh-CN" altLang="en-US" dirty="0" smtClean="0"/>
+              <a:rPr lang="zh-CN" altLang="en-US" dirty="0"/>
               <a:t>读取</a:t>
             </a:r>
-            <a:endParaRPr lang="zh-CN" altLang="en-US" dirty="0"/>
           </a:p>
         </p:txBody>
       </p:sp>
@@ -21353,10 +21074,9 @@
           <a:lstStyle/>
           <a:p>
             <a:r>
-              <a:rPr lang="zh-CN" altLang="en-US" dirty="0" smtClean="0"/>
+              <a:rPr lang="zh-CN" altLang="en-US" dirty="0"/>
               <a:t>读取次数</a:t>
             </a:r>
-            <a:endParaRPr lang="zh-CN" altLang="en-US" dirty="0"/>
           </a:p>
         </p:txBody>
       </p:sp>
@@ -21438,10 +21158,9 @@
               <a:p>
                 <a:pPr algn="ctr"/>
                 <a:r>
-                  <a:rPr lang="en-US" altLang="zh-CN" dirty="0" smtClean="0"/>
+                  <a:rPr lang="en-US" altLang="zh-CN" dirty="0"/>
                   <a:t>2n+1</a:t>
                 </a:r>
-                <a:endParaRPr lang="en-US" altLang="zh-CN" dirty="0"/>
               </a:p>
             </p:txBody>
           </p:sp>
@@ -21491,10 +21210,9 @@
               <a:p>
                 <a:pPr algn="ctr"/>
                 <a:r>
-                  <a:rPr lang="en-US" altLang="zh-CN" dirty="0" smtClean="0"/>
+                  <a:rPr lang="en-US" altLang="zh-CN" dirty="0"/>
                   <a:t>2n</a:t>
                 </a:r>
-                <a:endParaRPr lang="en-US" altLang="zh-CN" dirty="0"/>
               </a:p>
             </p:txBody>
           </p:sp>
@@ -21933,10 +21651,9 @@
                 <a:p>
                   <a:pPr algn="ctr"/>
                   <a:r>
-                    <a:rPr lang="en-US" altLang="zh-CN" dirty="0" smtClean="0"/>
+                    <a:rPr lang="en-US" altLang="zh-CN" dirty="0"/>
                     <a:t>5</a:t>
                   </a:r>
-                  <a:endParaRPr lang="en-US" altLang="zh-CN" dirty="0"/>
                 </a:p>
               </p:txBody>
             </p:sp>
@@ -21986,10 +21703,9 @@
                 <a:p>
                   <a:pPr algn="ctr"/>
                   <a:r>
-                    <a:rPr lang="en-US" altLang="zh-CN" dirty="0" smtClean="0"/>
+                    <a:rPr lang="en-US" altLang="zh-CN" dirty="0"/>
                     <a:t>4</a:t>
                   </a:r>
-                  <a:endParaRPr lang="en-US" altLang="zh-CN" dirty="0"/>
                 </a:p>
               </p:txBody>
             </p:sp>
@@ -22071,10 +21787,9 @@
                 <a:p>
                   <a:pPr algn="ctr"/>
                   <a:r>
-                    <a:rPr lang="en-US" altLang="zh-CN" dirty="0" smtClean="0"/>
+                    <a:rPr lang="en-US" altLang="zh-CN" dirty="0"/>
                     <a:t>3</a:t>
                   </a:r>
-                  <a:endParaRPr lang="en-US" altLang="zh-CN" dirty="0"/>
                 </a:p>
               </p:txBody>
             </p:sp>
@@ -22124,10 +21839,9 @@
                 <a:p>
                   <a:pPr algn="ctr"/>
                   <a:r>
-                    <a:rPr lang="en-US" altLang="zh-CN" dirty="0" smtClean="0"/>
+                    <a:rPr lang="en-US" altLang="zh-CN" dirty="0"/>
                     <a:t>2</a:t>
                   </a:r>
-                  <a:endParaRPr lang="en-US" altLang="zh-CN" dirty="0"/>
                 </a:p>
               </p:txBody>
             </p:sp>
@@ -22193,10 +21907,9 @@
                 <a:p>
                   <a:pPr algn="ctr"/>
                   <a:r>
-                    <a:rPr lang="en-US" altLang="zh-CN" dirty="0" smtClean="0"/>
+                    <a:rPr lang="en-US" altLang="zh-CN" dirty="0"/>
                     <a:t>1</a:t>
                   </a:r>
-                  <a:endParaRPr lang="en-US" altLang="zh-CN" dirty="0"/>
                 </a:p>
               </p:txBody>
             </p:sp>
@@ -22244,10 +21957,9 @@
                 <a:p>
                   <a:pPr algn="ctr"/>
                   <a:r>
-                    <a:rPr lang="en-US" altLang="zh-CN" dirty="0" smtClean="0"/>
+                    <a:rPr lang="en-US" altLang="zh-CN" dirty="0"/>
                     <a:t>0</a:t>
                   </a:r>
-                  <a:endParaRPr lang="en-US" altLang="zh-CN" dirty="0"/>
                 </a:p>
               </p:txBody>
             </p:sp>
@@ -22296,7 +22008,6 @@
               <a:tailEnd/>
             </a:ln>
             <a:effectLst/>
-            <a:extLst/>
           </p:spPr>
           <p:txBody>
             <a:bodyPr wrap="none" anchor="ctr"/>
@@ -22335,7 +22046,6 @@
               <a:tailEnd/>
             </a:ln>
             <a:effectLst/>
-            <a:extLst/>
           </p:spPr>
           <p:txBody>
             <a:bodyPr wrap="none" anchor="ctr"/>
@@ -22461,10 +22171,9 @@
               <a:p>
                 <a:pPr algn="ctr"/>
                 <a:r>
-                  <a:rPr lang="en-US" altLang="zh-CN" dirty="0" smtClean="0"/>
+                  <a:rPr lang="en-US" altLang="zh-CN" dirty="0"/>
                   <a:t>2n+1</a:t>
                 </a:r>
-                <a:endParaRPr lang="en-US" altLang="zh-CN" dirty="0"/>
               </a:p>
             </p:txBody>
           </p:sp>
@@ -22514,10 +22223,9 @@
               <a:p>
                 <a:pPr algn="ctr"/>
                 <a:r>
-                  <a:rPr lang="en-US" altLang="zh-CN" dirty="0" smtClean="0"/>
+                  <a:rPr lang="en-US" altLang="zh-CN" dirty="0"/>
                   <a:t>2n</a:t>
                 </a:r>
-                <a:endParaRPr lang="en-US" altLang="zh-CN" dirty="0"/>
               </a:p>
             </p:txBody>
           </p:sp>
@@ -22956,10 +22664,9 @@
                 <a:p>
                   <a:pPr algn="ctr"/>
                   <a:r>
-                    <a:rPr lang="en-US" altLang="zh-CN" dirty="0" smtClean="0"/>
+                    <a:rPr lang="en-US" altLang="zh-CN" dirty="0"/>
                     <a:t>5</a:t>
                   </a:r>
-                  <a:endParaRPr lang="en-US" altLang="zh-CN" dirty="0"/>
                 </a:p>
               </p:txBody>
             </p:sp>
@@ -23009,10 +22716,9 @@
                 <a:p>
                   <a:pPr algn="ctr"/>
                   <a:r>
-                    <a:rPr lang="en-US" altLang="zh-CN" dirty="0" smtClean="0"/>
+                    <a:rPr lang="en-US" altLang="zh-CN" dirty="0"/>
                     <a:t>4</a:t>
                   </a:r>
-                  <a:endParaRPr lang="en-US" altLang="zh-CN" dirty="0"/>
                 </a:p>
               </p:txBody>
             </p:sp>
@@ -23094,10 +22800,9 @@
                 <a:p>
                   <a:pPr algn="ctr"/>
                   <a:r>
-                    <a:rPr lang="en-US" altLang="zh-CN" dirty="0" smtClean="0"/>
+                    <a:rPr lang="en-US" altLang="zh-CN" dirty="0"/>
                     <a:t>3</a:t>
                   </a:r>
-                  <a:endParaRPr lang="en-US" altLang="zh-CN" dirty="0"/>
                 </a:p>
               </p:txBody>
             </p:sp>
@@ -23147,10 +22852,9 @@
                 <a:p>
                   <a:pPr algn="ctr"/>
                   <a:r>
-                    <a:rPr lang="en-US" altLang="zh-CN" dirty="0" smtClean="0"/>
+                    <a:rPr lang="en-US" altLang="zh-CN" dirty="0"/>
                     <a:t>2</a:t>
                   </a:r>
-                  <a:endParaRPr lang="en-US" altLang="zh-CN" dirty="0"/>
                 </a:p>
               </p:txBody>
             </p:sp>
@@ -23216,7 +22920,7 @@
                 <a:p>
                   <a:pPr algn="ctr"/>
                   <a:r>
-                    <a:rPr lang="en-US" altLang="zh-CN" dirty="0" err="1" smtClean="0"/>
+                    <a:rPr lang="en-US" altLang="zh-CN" dirty="0" err="1"/>
                     <a:t>int</a:t>
                   </a:r>
                   <a:endParaRPr lang="en-US" altLang="zh-CN" dirty="0"/>
@@ -23267,10 +22971,9 @@
                 <a:p>
                   <a:pPr algn="ctr"/>
                   <a:r>
-                    <a:rPr lang="en-US" altLang="zh-CN" dirty="0" smtClean="0"/>
+                    <a:rPr lang="en-US" altLang="zh-CN" dirty="0"/>
                     <a:t>char</a:t>
                   </a:r>
-                  <a:endParaRPr lang="en-US" altLang="zh-CN" dirty="0"/>
                 </a:p>
               </p:txBody>
             </p:sp>
@@ -23355,10 +23058,9 @@
               <a:p>
                 <a:pPr algn="ctr"/>
                 <a:r>
-                  <a:rPr lang="en-US" altLang="zh-CN" dirty="0" smtClean="0"/>
+                  <a:rPr lang="en-US" altLang="zh-CN" dirty="0"/>
                   <a:t>2n+1</a:t>
                 </a:r>
-                <a:endParaRPr lang="en-US" altLang="zh-CN" dirty="0"/>
               </a:p>
             </p:txBody>
           </p:sp>
@@ -23408,10 +23110,9 @@
               <a:p>
                 <a:pPr algn="ctr"/>
                 <a:r>
-                  <a:rPr lang="en-US" altLang="zh-CN" dirty="0" smtClean="0"/>
+                  <a:rPr lang="en-US" altLang="zh-CN" dirty="0"/>
                   <a:t>2n</a:t>
                 </a:r>
-                <a:endParaRPr lang="en-US" altLang="zh-CN" dirty="0"/>
               </a:p>
             </p:txBody>
           </p:sp>
@@ -23850,10 +23551,9 @@
                 <a:p>
                   <a:pPr algn="ctr"/>
                   <a:r>
-                    <a:rPr lang="en-US" altLang="zh-CN" dirty="0" smtClean="0"/>
+                    <a:rPr lang="en-US" altLang="zh-CN" dirty="0"/>
                     <a:t>5</a:t>
                   </a:r>
-                  <a:endParaRPr lang="en-US" altLang="zh-CN" dirty="0"/>
                 </a:p>
               </p:txBody>
             </p:sp>
@@ -23903,10 +23603,9 @@
                 <a:p>
                   <a:pPr algn="ctr"/>
                   <a:r>
-                    <a:rPr lang="en-US" altLang="zh-CN" dirty="0" smtClean="0"/>
+                    <a:rPr lang="en-US" altLang="zh-CN" dirty="0"/>
                     <a:t>4</a:t>
                   </a:r>
-                  <a:endParaRPr lang="en-US" altLang="zh-CN" dirty="0"/>
                 </a:p>
               </p:txBody>
             </p:sp>
@@ -23988,10 +23687,9 @@
                 <a:p>
                   <a:pPr algn="ctr"/>
                   <a:r>
-                    <a:rPr lang="en-US" altLang="zh-CN" dirty="0" smtClean="0"/>
+                    <a:rPr lang="en-US" altLang="zh-CN" dirty="0"/>
                     <a:t>3</a:t>
                   </a:r>
-                  <a:endParaRPr lang="en-US" altLang="zh-CN" dirty="0"/>
                 </a:p>
               </p:txBody>
             </p:sp>
@@ -24041,7 +23739,7 @@
                 <a:p>
                   <a:pPr algn="ctr"/>
                   <a:r>
-                    <a:rPr lang="en-US" altLang="zh-CN" dirty="0" err="1" smtClean="0"/>
+                    <a:rPr lang="en-US" altLang="zh-CN" dirty="0" err="1"/>
                     <a:t>int</a:t>
                   </a:r>
                   <a:endParaRPr lang="en-US" altLang="zh-CN" dirty="0"/>
@@ -24157,10 +23855,9 @@
                 <a:p>
                   <a:pPr algn="ctr"/>
                   <a:r>
-                    <a:rPr lang="en-US" altLang="zh-CN" dirty="0" smtClean="0"/>
+                    <a:rPr lang="en-US" altLang="zh-CN" dirty="0"/>
                     <a:t>char</a:t>
                   </a:r>
-                  <a:endParaRPr lang="en-US" altLang="zh-CN" dirty="0"/>
                 </a:p>
               </p:txBody>
             </p:sp>
@@ -24213,29 +23910,9 @@
           <a:lstStyle/>
           <a:p>
             <a:r>
-              <a:rPr lang="zh-CN" altLang="en-US" dirty="0" smtClean="0"/>
+              <a:rPr lang="zh-CN" altLang="en-US" dirty="0"/>
               <a:t>扩展一下</a:t>
             </a:r>
-            <a:endParaRPr lang="zh-CN" altLang="en-US" dirty="0"/>
-          </a:p>
-        </p:txBody>
-      </p:sp>
-      <p:sp>
-        <p:nvSpPr>
-          <p:cNvPr id="3" name="内容占位符 2"/>
-          <p:cNvSpPr>
-            <a:spLocks noGrp="1"/>
-          </p:cNvSpPr>
-          <p:nvPr>
-            <p:ph idx="1"/>
-          </p:nvPr>
-        </p:nvSpPr>
-        <p:spPr/>
-        <p:txBody>
-          <a:bodyPr/>
-          <a:lstStyle/>
-          <a:p>
-            <a:endParaRPr lang="zh-CN" altLang="en-US" dirty="0"/>
           </a:p>
         </p:txBody>
       </p:sp>
@@ -24426,10 +24103,9 @@
                 <a:p>
                   <a:pPr algn="ctr"/>
                   <a:r>
-                    <a:rPr lang="en-US" altLang="zh-CN" dirty="0" smtClean="0"/>
+                    <a:rPr lang="en-US" altLang="zh-CN" dirty="0"/>
                     <a:t>x</a:t>
                   </a:r>
-                  <a:endParaRPr lang="en-US" altLang="zh-CN" dirty="0"/>
                 </a:p>
               </p:txBody>
             </p:sp>
@@ -24477,10 +24153,9 @@
                 <a:p>
                   <a:pPr algn="ctr"/>
                   <a:r>
-                    <a:rPr lang="en-US" altLang="zh-CN" dirty="0" smtClean="0"/>
+                    <a:rPr lang="en-US" altLang="zh-CN" dirty="0"/>
                     <a:t>y</a:t>
                   </a:r>
-                  <a:endParaRPr lang="en-US" altLang="zh-CN" dirty="0"/>
                 </a:p>
               </p:txBody>
             </p:sp>
@@ -24546,10 +24221,9 @@
                 <a:p>
                   <a:pPr algn="ctr"/>
                   <a:r>
-                    <a:rPr lang="en-US" altLang="zh-CN" dirty="0" smtClean="0"/>
+                    <a:rPr lang="en-US" altLang="zh-CN" dirty="0"/>
                     <a:t>short</a:t>
                   </a:r>
-                  <a:endParaRPr lang="en-US" altLang="zh-CN" dirty="0"/>
                 </a:p>
               </p:txBody>
             </p:sp>
@@ -24597,10 +24271,9 @@
                 <a:p>
                   <a:pPr algn="ctr"/>
                   <a:r>
-                    <a:rPr lang="en-US" altLang="zh-CN" dirty="0" smtClean="0"/>
+                    <a:rPr lang="en-US" altLang="zh-CN" dirty="0"/>
                     <a:t>a</a:t>
                   </a:r>
-                  <a:endParaRPr lang="en-US" altLang="zh-CN" dirty="0"/>
                 </a:p>
               </p:txBody>
             </p:sp>
@@ -24650,10 +24323,9 @@
                 <a:p>
                   <a:pPr algn="ctr"/>
                   <a:r>
-                    <a:rPr lang="en-US" altLang="zh-CN" dirty="0" smtClean="0"/>
+                    <a:rPr lang="en-US" altLang="zh-CN" dirty="0"/>
                     <a:t>char</a:t>
                   </a:r>
-                  <a:endParaRPr lang="en-US" altLang="zh-CN" dirty="0"/>
                 </a:p>
               </p:txBody>
             </p:sp>
@@ -24720,7 +24392,7 @@
               <a:p>
                 <a:pPr algn="ctr"/>
                 <a:r>
-                  <a:rPr lang="en-US" altLang="zh-CN" dirty="0" err="1" smtClean="0"/>
+                  <a:rPr lang="en-US" altLang="zh-CN" dirty="0" err="1"/>
                   <a:t>int</a:t>
                 </a:r>
                 <a:endParaRPr lang="en-US" altLang="zh-CN" dirty="0"/>
@@ -26301,7 +25973,6 @@
                 <a:tailEnd/>
               </a:ln>
               <a:effectLst/>
-              <a:extLst/>
             </p:spPr>
             <p:txBody>
               <a:bodyPr wrap="none" anchor="ctr"/>
@@ -26340,7 +26011,6 @@
                 <a:tailEnd/>
               </a:ln>
               <a:effectLst/>
-              <a:extLst/>
             </p:spPr>
             <p:txBody>
               <a:bodyPr wrap="none" anchor="ctr"/>
@@ -26394,7 +26064,6 @@
                 <a:tailEnd/>
               </a:ln>
               <a:effectLst/>
-              <a:extLst/>
             </p:spPr>
             <p:txBody>
               <a:bodyPr wrap="none" anchor="ctr"/>
@@ -26433,7 +26102,6 @@
                 <a:tailEnd/>
               </a:ln>
               <a:effectLst/>
-              <a:extLst/>
             </p:spPr>
             <p:txBody>
               <a:bodyPr wrap="none" anchor="ctr"/>
@@ -26647,10 +26315,9 @@
                   <a:p>
                     <a:pPr algn="ctr"/>
                     <a:r>
-                      <a:rPr lang="en-US" altLang="zh-CN" dirty="0" smtClean="0"/>
+                      <a:rPr lang="en-US" altLang="zh-CN" dirty="0"/>
                       <a:t>x</a:t>
                     </a:r>
-                    <a:endParaRPr lang="en-US" altLang="zh-CN" dirty="0"/>
                   </a:p>
                 </p:txBody>
               </p:sp>
@@ -26698,10 +26365,9 @@
                   <a:p>
                     <a:pPr algn="ctr"/>
                     <a:r>
-                      <a:rPr lang="en-US" altLang="zh-CN" dirty="0" smtClean="0"/>
+                      <a:rPr lang="en-US" altLang="zh-CN" dirty="0"/>
                       <a:t>y</a:t>
                     </a:r>
-                    <a:endParaRPr lang="en-US" altLang="zh-CN" dirty="0"/>
                   </a:p>
                 </p:txBody>
               </p:sp>
@@ -26816,10 +26482,9 @@
                   <a:p>
                     <a:pPr algn="ctr"/>
                     <a:r>
-                      <a:rPr lang="en-US" altLang="zh-CN" dirty="0" smtClean="0"/>
+                      <a:rPr lang="en-US" altLang="zh-CN" dirty="0"/>
                       <a:t>short</a:t>
                     </a:r>
-                    <a:endParaRPr lang="en-US" altLang="zh-CN" dirty="0"/>
                   </a:p>
                 </p:txBody>
               </p:sp>
@@ -27000,7 +26665,7 @@
                   <a:p>
                     <a:pPr algn="ctr"/>
                     <a:r>
-                      <a:rPr lang="en-US" altLang="zh-CN" dirty="0" err="1" smtClean="0"/>
+                      <a:rPr lang="en-US" altLang="zh-CN" dirty="0" err="1"/>
                       <a:t>int</a:t>
                     </a:r>
                     <a:endParaRPr lang="en-US" altLang="zh-CN" dirty="0"/>
@@ -27053,10 +26718,9 @@
                   <a:p>
                     <a:pPr algn="ctr"/>
                     <a:r>
-                      <a:rPr lang="en-US" altLang="zh-CN" dirty="0" smtClean="0"/>
+                      <a:rPr lang="en-US" altLang="zh-CN" dirty="0"/>
                       <a:t>char</a:t>
                     </a:r>
-                    <a:endParaRPr lang="en-US" altLang="zh-CN" dirty="0"/>
                   </a:p>
                 </p:txBody>
               </p:sp>
@@ -28509,7 +28173,6 @@
               <a:tailEnd/>
             </a:ln>
             <a:effectLst/>
-            <a:extLst/>
           </p:spPr>
           <p:txBody>
             <a:bodyPr wrap="none" anchor="ctr"/>
@@ -28757,10 +28420,9 @@
                 <a:p>
                   <a:pPr algn="ctr"/>
                   <a:r>
-                    <a:rPr lang="en-US" altLang="zh-CN" dirty="0" smtClean="0"/>
+                    <a:rPr lang="en-US" altLang="zh-CN" dirty="0"/>
                     <a:t>x</a:t>
                   </a:r>
-                  <a:endParaRPr lang="en-US" altLang="zh-CN" dirty="0"/>
                 </a:p>
               </p:txBody>
             </p:sp>
@@ -28808,10 +28470,9 @@
                 <a:p>
                   <a:pPr algn="ctr"/>
                   <a:r>
-                    <a:rPr lang="en-US" altLang="zh-CN" dirty="0" smtClean="0"/>
+                    <a:rPr lang="en-US" altLang="zh-CN" dirty="0"/>
                     <a:t>y</a:t>
                   </a:r>
-                  <a:endParaRPr lang="en-US" altLang="zh-CN" dirty="0"/>
                 </a:p>
               </p:txBody>
             </p:sp>
@@ -28973,10 +28634,9 @@
                 <a:p>
                   <a:pPr algn="ctr"/>
                   <a:r>
-                    <a:rPr lang="en-US" altLang="zh-CN" dirty="0" smtClean="0"/>
+                    <a:rPr lang="en-US" altLang="zh-CN" dirty="0"/>
                     <a:t>a</a:t>
                   </a:r>
-                  <a:endParaRPr lang="en-US" altLang="zh-CN" dirty="0"/>
                 </a:p>
               </p:txBody>
             </p:sp>
@@ -29155,10 +28815,9 @@
                 <a:lstStyle/>
                 <a:p>
                   <a:r>
-                    <a:rPr lang="en-US" altLang="zh-CN" dirty="0" smtClean="0"/>
+                    <a:rPr lang="en-US" altLang="zh-CN" dirty="0"/>
                     <a:t>short</a:t>
                   </a:r>
-                  <a:endParaRPr lang="en-US" altLang="zh-CN" dirty="0"/>
                 </a:p>
               </p:txBody>
             </p:sp>
@@ -29371,10 +29030,9 @@
                 <a:p>
                   <a:pPr algn="ctr"/>
                   <a:r>
-                    <a:rPr lang="en-US" altLang="zh-CN" dirty="0" smtClean="0"/>
+                    <a:rPr lang="en-US" altLang="zh-CN" dirty="0"/>
                     <a:t>char</a:t>
                   </a:r>
-                  <a:endParaRPr lang="en-US" altLang="zh-CN" dirty="0"/>
                 </a:p>
               </p:txBody>
             </p:sp>
@@ -29489,7 +29147,7 @@
               <a:lstStyle/>
               <a:p>
                 <a:r>
-                  <a:rPr lang="en-US" altLang="zh-CN" dirty="0" err="1" smtClean="0"/>
+                  <a:rPr lang="en-US" altLang="zh-CN" dirty="0" err="1"/>
                   <a:t>int</a:t>
                 </a:r>
                 <a:endParaRPr lang="en-US" altLang="zh-CN" dirty="0"/>
@@ -30620,10 +30278,9 @@
           <a:lstStyle/>
           <a:p>
             <a:r>
-              <a:rPr lang="zh-CN" altLang="en-US" dirty="0" smtClean="0"/>
+              <a:rPr lang="zh-CN" altLang="en-US" dirty="0"/>
               <a:t>一种工具</a:t>
             </a:r>
-            <a:endParaRPr lang="zh-CN" altLang="en-US" dirty="0"/>
           </a:p>
         </p:txBody>
       </p:sp>

--- a/programming/2018/ch_4_memory.pptx
+++ b/programming/2018/ch_4_memory.pptx
@@ -300,7 +300,7 @@
               <a:pPr>
                 <a:defRPr/>
               </a:pPr>
-              <a:t>2020/10/16</a:t>
+              <a:t>2020/10/30</a:t>
             </a:fld>
             <a:endParaRPr lang="zh-CN" altLang="en-US"/>
           </a:p>
@@ -520,7 +520,7 @@
               <a:pPr>
                 <a:defRPr/>
               </a:pPr>
-              <a:t>2020/10/16</a:t>
+              <a:t>2020/10/30</a:t>
             </a:fld>
             <a:endParaRPr lang="en-US"/>
           </a:p>
@@ -1081,7 +1081,7 @@
               <a:pPr>
                 <a:defRPr/>
               </a:pPr>
-              <a:t>2020/10/16</a:t>
+              <a:t>2020/10/30</a:t>
             </a:fld>
             <a:endParaRPr lang="zh-CN" altLang="en-US"/>
           </a:p>
@@ -1325,7 +1325,7 @@
               <a:pPr>
                 <a:defRPr/>
               </a:pPr>
-              <a:t>2020/10/16</a:t>
+              <a:t>2020/10/30</a:t>
             </a:fld>
             <a:endParaRPr lang="zh-CN" altLang="en-US"/>
           </a:p>
@@ -1569,7 +1569,7 @@
               <a:pPr>
                 <a:defRPr/>
               </a:pPr>
-              <a:t>2020/10/16</a:t>
+              <a:t>2020/10/30</a:t>
             </a:fld>
             <a:endParaRPr lang="zh-CN" altLang="en-US"/>
           </a:p>
@@ -1875,7 +1875,7 @@
               <a:pPr>
                 <a:defRPr/>
               </a:pPr>
-              <a:t>2020/10/16</a:t>
+              <a:t>2020/10/30</a:t>
             </a:fld>
             <a:endParaRPr lang="zh-CN" altLang="en-US"/>
           </a:p>
@@ -2119,7 +2119,7 @@
               <a:pPr>
                 <a:defRPr/>
               </a:pPr>
-              <a:t>2020/10/16</a:t>
+              <a:t>2020/10/30</a:t>
             </a:fld>
             <a:endParaRPr lang="zh-CN" altLang="en-US"/>
           </a:p>
@@ -2430,7 +2430,7 @@
               <a:pPr>
                 <a:defRPr/>
               </a:pPr>
-              <a:t>2020/10/16</a:t>
+              <a:t>2020/10/30</a:t>
             </a:fld>
             <a:endParaRPr lang="zh-CN" altLang="en-US"/>
           </a:p>
@@ -2789,7 +2789,7 @@
               <a:pPr>
                 <a:defRPr/>
               </a:pPr>
-              <a:t>2020/10/16</a:t>
+              <a:t>2020/10/30</a:t>
             </a:fld>
             <a:endParaRPr lang="zh-CN" altLang="en-US"/>
           </a:p>
@@ -3288,7 +3288,7 @@
               <a:pPr>
                 <a:defRPr/>
               </a:pPr>
-              <a:t>2020/10/16</a:t>
+              <a:t>2020/10/30</a:t>
             </a:fld>
             <a:endParaRPr lang="zh-CN" altLang="en-US"/>
           </a:p>
@@ -3473,7 +3473,7 @@
               <a:pPr>
                 <a:defRPr/>
               </a:pPr>
-              <a:t>2020/10/16</a:t>
+              <a:t>2020/10/30</a:t>
             </a:fld>
             <a:endParaRPr lang="zh-CN" altLang="en-US"/>
           </a:p>
@@ -3628,7 +3628,7 @@
               <a:pPr>
                 <a:defRPr/>
               </a:pPr>
-              <a:t>2020/10/16</a:t>
+              <a:t>2020/10/30</a:t>
             </a:fld>
             <a:endParaRPr lang="zh-CN" altLang="en-US"/>
           </a:p>
@@ -3972,7 +3972,7 @@
               <a:pPr>
                 <a:defRPr/>
               </a:pPr>
-              <a:t>2020/10/16</a:t>
+              <a:t>2020/10/30</a:t>
             </a:fld>
             <a:endParaRPr lang="zh-CN" altLang="en-US"/>
           </a:p>
@@ -4450,7 +4450,7 @@
               <a:pPr>
                 <a:defRPr/>
               </a:pPr>
-              <a:t>2020/10/16</a:t>
+              <a:t>2020/10/30</a:t>
             </a:fld>
             <a:endParaRPr lang="zh-CN" altLang="en-US"/>
           </a:p>
@@ -4694,7 +4694,7 @@
               <a:pPr>
                 <a:defRPr/>
               </a:pPr>
-              <a:t>2020/10/16</a:t>
+              <a:t>2020/10/30</a:t>
             </a:fld>
             <a:endParaRPr lang="zh-CN" altLang="en-US"/>
           </a:p>
@@ -4938,7 +4938,7 @@
               <a:pPr>
                 <a:defRPr/>
               </a:pPr>
-              <a:t>2020/10/16</a:t>
+              <a:t>2020/10/30</a:t>
             </a:fld>
             <a:endParaRPr lang="zh-CN" altLang="en-US"/>
           </a:p>
@@ -5249,7 +5249,7 @@
               <a:pPr>
                 <a:defRPr/>
               </a:pPr>
-              <a:t>2020/10/16</a:t>
+              <a:t>2020/10/30</a:t>
             </a:fld>
             <a:endParaRPr lang="zh-CN" altLang="en-US"/>
           </a:p>
@@ -5608,7 +5608,7 @@
               <a:pPr>
                 <a:defRPr/>
               </a:pPr>
-              <a:t>2020/10/16</a:t>
+              <a:t>2020/10/30</a:t>
             </a:fld>
             <a:endParaRPr lang="zh-CN" altLang="en-US"/>
           </a:p>
@@ -6107,7 +6107,7 @@
               <a:pPr>
                 <a:defRPr/>
               </a:pPr>
-              <a:t>2020/10/16</a:t>
+              <a:t>2020/10/30</a:t>
             </a:fld>
             <a:endParaRPr lang="zh-CN" altLang="en-US"/>
           </a:p>
@@ -6292,7 +6292,7 @@
               <a:pPr>
                 <a:defRPr/>
               </a:pPr>
-              <a:t>2020/10/16</a:t>
+              <a:t>2020/10/30</a:t>
             </a:fld>
             <a:endParaRPr lang="zh-CN" altLang="en-US"/>
           </a:p>
@@ -6447,7 +6447,7 @@
               <a:pPr>
                 <a:defRPr/>
               </a:pPr>
-              <a:t>2020/10/16</a:t>
+              <a:t>2020/10/30</a:t>
             </a:fld>
             <a:endParaRPr lang="zh-CN" altLang="en-US"/>
           </a:p>
@@ -6791,7 +6791,7 @@
               <a:pPr>
                 <a:defRPr/>
               </a:pPr>
-              <a:t>2020/10/16</a:t>
+              <a:t>2020/10/30</a:t>
             </a:fld>
             <a:endParaRPr lang="zh-CN" altLang="en-US"/>
           </a:p>
@@ -7113,7 +7113,7 @@
               <a:pPr>
                 <a:defRPr/>
               </a:pPr>
-              <a:t>2020/10/16</a:t>
+              <a:t>2020/10/30</a:t>
             </a:fld>
             <a:endParaRPr lang="zh-CN" altLang="en-US"/>
           </a:p>
@@ -8314,7 +8314,7 @@
                 <a:latin typeface="Adobe 黑体 Std R" panose="020B0400000000000000" pitchFamily="34" charset="-122"/>
                 <a:ea typeface="Adobe 黑体 Std R" panose="020B0400000000000000" pitchFamily="34" charset="-122"/>
               </a:rPr>
-              <a:t>2020/10/16</a:t>
+              <a:t>2020/10/30</a:t>
             </a:r>
             <a:endParaRPr lang="en-US" altLang="zh-CN" sz="2400" b="1" dirty="0">
               <a:ln w="12700">
@@ -16658,12 +16658,6 @@
         <p:txBody>
           <a:bodyPr/>
           <a:lstStyle/>
-          <a:p>
-            <a:r>
-              <a:rPr lang="en-US" altLang="zh-CN" dirty="0"/>
-              <a:t>C/C++</a:t>
-            </a:r>
-          </a:p>
           <a:p>
             <a:r>
               <a:rPr lang="zh-CN" altLang="en-US" dirty="0"/>
@@ -19090,15 +19084,13 @@
           <a:p>
             <a:r>
               <a:rPr lang="zh-CN" altLang="en-US" dirty="0"/>
-              <a:t>定义一种读取规则</a:t>
+              <a:t>定义一种</a:t>
+            </a:r>
+            <a:r>
+              <a:rPr lang="zh-CN" altLang="en-US"/>
+              <a:t>读取规则</a:t>
             </a:r>
             <a:endParaRPr lang="en-US" altLang="zh-CN" dirty="0"/>
-          </a:p>
-          <a:p>
-            <a:r>
-              <a:rPr lang="zh-CN" altLang="en-US" dirty="0"/>
-              <a:t>定义一种读取规则</a:t>
-            </a:r>
           </a:p>
         </p:txBody>
       </p:sp>
